--- a/course_resources/slides/Used/012_median_and_scaling.pptx
+++ b/course_resources/slides/Used/012_median_and_scaling.pptx
@@ -5,25 +5,26 @@
     <p:sldMasterId id="2147483660" r:id="rId1"/>
   </p:sldMasterIdLst>
   <p:sldIdLst>
-    <p:sldId id="256" r:id="rId2"/>
-    <p:sldId id="257" r:id="rId3"/>
-    <p:sldId id="258" r:id="rId4"/>
-    <p:sldId id="259" r:id="rId5"/>
-    <p:sldId id="260" r:id="rId6"/>
-    <p:sldId id="261" r:id="rId7"/>
-    <p:sldId id="262" r:id="rId8"/>
-    <p:sldId id="263" r:id="rId9"/>
-    <p:sldId id="264" r:id="rId10"/>
-    <p:sldId id="265" r:id="rId11"/>
-    <p:sldId id="266" r:id="rId12"/>
-    <p:sldId id="267" r:id="rId13"/>
-    <p:sldId id="268" r:id="rId14"/>
-    <p:sldId id="269" r:id="rId15"/>
-    <p:sldId id="272" r:id="rId16"/>
-    <p:sldId id="273" r:id="rId17"/>
-    <p:sldId id="274" r:id="rId18"/>
-    <p:sldId id="270" r:id="rId19"/>
-    <p:sldId id="271" r:id="rId20"/>
+    <p:sldId id="275" r:id="rId2"/>
+    <p:sldId id="256" r:id="rId3"/>
+    <p:sldId id="257" r:id="rId4"/>
+    <p:sldId id="258" r:id="rId5"/>
+    <p:sldId id="259" r:id="rId6"/>
+    <p:sldId id="260" r:id="rId7"/>
+    <p:sldId id="261" r:id="rId8"/>
+    <p:sldId id="262" r:id="rId9"/>
+    <p:sldId id="263" r:id="rId10"/>
+    <p:sldId id="264" r:id="rId11"/>
+    <p:sldId id="265" r:id="rId12"/>
+    <p:sldId id="266" r:id="rId13"/>
+    <p:sldId id="267" r:id="rId14"/>
+    <p:sldId id="268" r:id="rId15"/>
+    <p:sldId id="269" r:id="rId16"/>
+    <p:sldId id="272" r:id="rId17"/>
+    <p:sldId id="273" r:id="rId18"/>
+    <p:sldId id="274" r:id="rId19"/>
+    <p:sldId id="270" r:id="rId20"/>
+    <p:sldId id="271" r:id="rId21"/>
   </p:sldIdLst>
   <p:sldSz cx="12192000" cy="6858000"/>
   <p:notesSz cx="6858000" cy="9144000"/>
@@ -3643,7 +3644,7 @@
           <p:cNvPr id="2" name="Title 1">
             <a:extLst>
               <a:ext uri="{FF2B5EF4-FFF2-40B4-BE49-F238E27FC236}">
-                <a16:creationId xmlns:a16="http://schemas.microsoft.com/office/drawing/2014/main" id="{9A5743FF-01D8-5A9E-8127-83F70173BB09}"/>
+                <a16:creationId xmlns:a16="http://schemas.microsoft.com/office/drawing/2014/main" id="{0D7ECEAA-D6EF-6B30-8BF4-3AD35FDEFDB0}"/>
               </a:ext>
             </a:extLst>
           </p:cNvPr>
@@ -3651,7 +3652,7 @@
             <a:spLocks noGrp="1"/>
           </p:cNvSpPr>
           <p:nvPr>
-            <p:ph type="ctrTitle"/>
+            <p:ph type="title"/>
           </p:nvPr>
         </p:nvSpPr>
         <p:spPr/>
@@ -3661,17 +3662,17 @@
           <a:p>
             <a:r>
               <a:rPr lang="en-US" dirty="0"/>
-              <a:t>Data Prep and Regression</a:t>
-            </a:r>
-          </a:p>
-        </p:txBody>
-      </p:sp>
-      <p:sp>
-        <p:nvSpPr>
-          <p:cNvPr id="3" name="Subtitle 2">
+              <a:t>Housekeeping</a:t>
+            </a:r>
+          </a:p>
+        </p:txBody>
+      </p:sp>
+      <p:sp>
+        <p:nvSpPr>
+          <p:cNvPr id="3" name="Content Placeholder 2">
             <a:extLst>
               <a:ext uri="{FF2B5EF4-FFF2-40B4-BE49-F238E27FC236}">
-                <a16:creationId xmlns:a16="http://schemas.microsoft.com/office/drawing/2014/main" id="{215AF830-7AA9-532E-161C-6C9687DDA66C}"/>
+                <a16:creationId xmlns:a16="http://schemas.microsoft.com/office/drawing/2014/main" id="{E8615537-FB54-1304-1CD6-6062079FC156}"/>
               </a:ext>
             </a:extLst>
           </p:cNvPr>
@@ -3679,7 +3680,7 @@
             <a:spLocks noGrp="1"/>
           </p:cNvSpPr>
           <p:nvPr>
-            <p:ph type="subTitle" idx="1"/>
+            <p:ph idx="1"/>
           </p:nvPr>
         </p:nvSpPr>
         <p:spPr/>
@@ -3687,14 +3688,58 @@
           <a:bodyPr/>
           <a:lstStyle/>
           <a:p>
-            <a:endParaRPr lang="en-US"/>
+            <a:r>
+              <a:rPr lang="en-US" dirty="0"/>
+              <a:t>There’s a test next time. </a:t>
+            </a:r>
+          </a:p>
+          <a:p>
+            <a:pPr lvl="1"/>
+            <a:r>
+              <a:rPr lang="en-US" dirty="0"/>
+              <a:t>MC guide is on Moodle page. </a:t>
+            </a:r>
+          </a:p>
+          <a:p>
+            <a:pPr lvl="1"/>
+            <a:r>
+              <a:rPr lang="en-US" dirty="0"/>
+              <a:t>There will be a code bit, I’m writing it tonight. </a:t>
+            </a:r>
+          </a:p>
+          <a:p>
+            <a:r>
+              <a:rPr lang="en-US" dirty="0"/>
+              <a:t>Today (011):</a:t>
+            </a:r>
+          </a:p>
+          <a:p>
+            <a:pPr lvl="1"/>
+            <a:r>
+              <a:rPr lang="en-US" dirty="0"/>
+              <a:t>Practice with regression. </a:t>
+            </a:r>
+          </a:p>
+          <a:p>
+            <a:pPr lvl="1"/>
+            <a:r>
+              <a:rPr lang="en-US" dirty="0"/>
+              <a:t>Exploring data a bit more. </a:t>
+            </a:r>
+          </a:p>
+          <a:p>
+            <a:pPr lvl="1"/>
+            <a:r>
+              <a:rPr lang="en-US" dirty="0"/>
+              <a:t>Feature Scaling. </a:t>
+            </a:r>
           </a:p>
         </p:txBody>
       </p:sp>
     </p:spTree>
     <p:extLst>
       <p:ext uri="{BB962C8B-B14F-4D97-AF65-F5344CB8AC3E}">
-        <p14:creationId xmlns:p14="http://schemas.microsoft.com/office/powerpoint/2010/main" val="3326950813"/>
+        <p14:creationId xmlns:p14="http://schemas.microsoft.com/office/powerpoint/2010/main" val="860607574"/>
       </p:ext>
     </p:extLst>
   </p:cSld>
@@ -3705,766 +3750,6 @@
 </file>
 
 <file path=ppt/slides/slide10.xml><?xml version="1.0" encoding="utf-8"?>
-<p:sld xmlns:a="http://schemas.openxmlformats.org/drawingml/2006/main" xmlns:r="http://schemas.openxmlformats.org/officeDocument/2006/relationships" xmlns:p="http://schemas.openxmlformats.org/presentationml/2006/main">
-  <p:cSld>
-    <p:spTree>
-      <p:nvGrpSpPr>
-        <p:cNvPr id="1" name=""/>
-        <p:cNvGrpSpPr/>
-        <p:nvPr/>
-      </p:nvGrpSpPr>
-      <p:grpSpPr>
-        <a:xfrm>
-          <a:off x="0" y="0"/>
-          <a:ext cx="0" cy="0"/>
-          <a:chOff x="0" y="0"/>
-          <a:chExt cx="0" cy="0"/>
-        </a:xfrm>
-      </p:grpSpPr>
-      <p:sp>
-        <p:nvSpPr>
-          <p:cNvPr id="2" name="Title 1">
-            <a:extLst>
-              <a:ext uri="{FF2B5EF4-FFF2-40B4-BE49-F238E27FC236}">
-                <a16:creationId xmlns:a16="http://schemas.microsoft.com/office/drawing/2014/main" id="{57B6B062-21B5-C3AB-1E0E-759B168E0E7A}"/>
-              </a:ext>
-            </a:extLst>
-          </p:cNvPr>
-          <p:cNvSpPr>
-            <a:spLocks noGrp="1"/>
-          </p:cNvSpPr>
-          <p:nvPr>
-            <p:ph type="title"/>
-          </p:nvPr>
-        </p:nvSpPr>
-        <p:spPr/>
-        <p:txBody>
-          <a:bodyPr/>
-          <a:lstStyle/>
-          <a:p>
-            <a:r>
-              <a:rPr lang="en-US" dirty="0" err="1"/>
-              <a:t>Autobots</a:t>
-            </a:r>
-            <a:r>
-              <a:rPr lang="en-US" dirty="0"/>
-              <a:t>, Roll-Out!</a:t>
-            </a:r>
-          </a:p>
-        </p:txBody>
-      </p:sp>
-      <p:sp>
-        <p:nvSpPr>
-          <p:cNvPr id="3" name="Content Placeholder 2">
-            <a:extLst>
-              <a:ext uri="{FF2B5EF4-FFF2-40B4-BE49-F238E27FC236}">
-                <a16:creationId xmlns:a16="http://schemas.microsoft.com/office/drawing/2014/main" id="{7F4A5E4D-9EF5-E647-5943-5ABA4BDDE553}"/>
-              </a:ext>
-            </a:extLst>
-          </p:cNvPr>
-          <p:cNvSpPr>
-            <a:spLocks noGrp="1"/>
-          </p:cNvSpPr>
-          <p:nvPr>
-            <p:ph idx="1"/>
-          </p:nvPr>
-        </p:nvSpPr>
-        <p:spPr>
-          <a:xfrm>
-            <a:off x="1451579" y="1938969"/>
-            <a:ext cx="9603275" cy="4114511"/>
-          </a:xfrm>
-        </p:spPr>
-        <p:txBody>
-          <a:bodyPr/>
-          <a:lstStyle/>
-          <a:p>
-            <a:r>
-              <a:rPr lang="en-US" dirty="0"/>
-              <a:t>What happens here and how does it help?</a:t>
-            </a:r>
-          </a:p>
-          <a:p>
-            <a:r>
-              <a:rPr lang="en-US" dirty="0"/>
-              <a:t>In several models (the details are largely beyond our scope) there is an assumption that data is normal, so if things are normal we’ll get better results. </a:t>
-            </a:r>
-          </a:p>
-          <a:p>
-            <a:r>
-              <a:rPr lang="en-US" dirty="0"/>
-              <a:t>It also makes the residuals – errors of each prediction – more consistent. </a:t>
-            </a:r>
-          </a:p>
-          <a:p>
-            <a:pPr lvl="1"/>
-            <a:r>
-              <a:rPr lang="en-US" dirty="0"/>
-              <a:t>In the original, the amount of error above/below isn’t even. </a:t>
-            </a:r>
-          </a:p>
-          <a:p>
-            <a:pPr lvl="1"/>
-            <a:r>
-              <a:rPr lang="en-US" dirty="0"/>
-              <a:t>In the transformed version, it is. </a:t>
-            </a:r>
-          </a:p>
-          <a:p>
-            <a:pPr lvl="1"/>
-            <a:r>
-              <a:rPr lang="en-US" dirty="0"/>
-              <a:t>In models that use an iterative process to ‘work towards’ and answer, this helps a bunch. </a:t>
-            </a:r>
-          </a:p>
-          <a:p>
-            <a:r>
-              <a:rPr lang="en-US" dirty="0"/>
-              <a:t>Note: with our simple linear regression the impacts are minor, the other model part will make sense soon. </a:t>
-            </a:r>
-          </a:p>
-        </p:txBody>
-      </p:sp>
-    </p:spTree>
-    <p:extLst>
-      <p:ext uri="{BB962C8B-B14F-4D97-AF65-F5344CB8AC3E}">
-        <p14:creationId xmlns:p14="http://schemas.microsoft.com/office/powerpoint/2010/main" val="2016637127"/>
-      </p:ext>
-    </p:extLst>
-  </p:cSld>
-  <p:clrMapOvr>
-    <a:masterClrMapping/>
-  </p:clrMapOvr>
-</p:sld>
-</file>
-
-<file path=ppt/slides/slide11.xml><?xml version="1.0" encoding="utf-8"?>
-<p:sld xmlns:a="http://schemas.openxmlformats.org/drawingml/2006/main" xmlns:r="http://schemas.openxmlformats.org/officeDocument/2006/relationships" xmlns:p="http://schemas.openxmlformats.org/presentationml/2006/main">
-  <p:cSld>
-    <p:spTree>
-      <p:nvGrpSpPr>
-        <p:cNvPr id="1" name=""/>
-        <p:cNvGrpSpPr/>
-        <p:nvPr/>
-      </p:nvGrpSpPr>
-      <p:grpSpPr>
-        <a:xfrm>
-          <a:off x="0" y="0"/>
-          <a:ext cx="0" cy="0"/>
-          <a:chOff x="0" y="0"/>
-          <a:chExt cx="0" cy="0"/>
-        </a:xfrm>
-      </p:grpSpPr>
-      <p:sp>
-        <p:nvSpPr>
-          <p:cNvPr id="2" name="Title 1">
-            <a:extLst>
-              <a:ext uri="{FF2B5EF4-FFF2-40B4-BE49-F238E27FC236}">
-                <a16:creationId xmlns:a16="http://schemas.microsoft.com/office/drawing/2014/main" id="{4894A466-10A2-991B-5486-13596B5DB3F5}"/>
-              </a:ext>
-            </a:extLst>
-          </p:cNvPr>
-          <p:cNvSpPr>
-            <a:spLocks noGrp="1"/>
-          </p:cNvSpPr>
-          <p:nvPr>
-            <p:ph type="title"/>
-          </p:nvPr>
-        </p:nvSpPr>
-        <p:spPr/>
-        <p:txBody>
-          <a:bodyPr/>
-          <a:lstStyle/>
-          <a:p>
-            <a:r>
-              <a:rPr lang="en-US" dirty="0"/>
-              <a:t>Using transformations</a:t>
-            </a:r>
-          </a:p>
-        </p:txBody>
-      </p:sp>
-      <p:sp>
-        <p:nvSpPr>
-          <p:cNvPr id="3" name="Content Placeholder 2">
-            <a:extLst>
-              <a:ext uri="{FF2B5EF4-FFF2-40B4-BE49-F238E27FC236}">
-                <a16:creationId xmlns:a16="http://schemas.microsoft.com/office/drawing/2014/main" id="{790BED81-E510-ED33-C87F-65A27CBDA269}"/>
-              </a:ext>
-            </a:extLst>
-          </p:cNvPr>
-          <p:cNvSpPr>
-            <a:spLocks noGrp="1"/>
-          </p:cNvSpPr>
-          <p:nvPr>
-            <p:ph idx="1"/>
-          </p:nvPr>
-        </p:nvSpPr>
-        <p:spPr>
-          <a:xfrm>
-            <a:off x="1451579" y="1853754"/>
-            <a:ext cx="9603275" cy="4199727"/>
-          </a:xfrm>
-        </p:spPr>
-        <p:txBody>
-          <a:bodyPr/>
-          <a:lstStyle/>
-          <a:p>
-            <a:r>
-              <a:rPr lang="en-US" dirty="0"/>
-              <a:t>If we think a transformation is helpful, we can try it and see the results. </a:t>
-            </a:r>
-          </a:p>
-          <a:p>
-            <a:r>
-              <a:rPr lang="en-US" dirty="0"/>
-              <a:t>Use a function or just a line of code to change that variable before it goes into the model. </a:t>
-            </a:r>
-          </a:p>
-          <a:p>
-            <a:r>
-              <a:rPr lang="en-US" dirty="0"/>
-              <a:t>If we want the “real” value, we need to undo this. </a:t>
-            </a:r>
-          </a:p>
-          <a:p>
-            <a:pPr lvl="1"/>
-            <a:r>
-              <a:rPr lang="en-US" dirty="0"/>
-              <a:t>If we did a log transformation to a target, our predictions would be on a log scale. </a:t>
-            </a:r>
-          </a:p>
-          <a:p>
-            <a:pPr lvl="1"/>
-            <a:r>
-              <a:rPr lang="en-US" dirty="0"/>
-              <a:t>We could use the opposite of a log, exp(), to get the value back on the real scale. </a:t>
-            </a:r>
-          </a:p>
-          <a:p>
-            <a:pPr lvl="1"/>
-            <a:r>
-              <a:rPr lang="en-US" dirty="0"/>
-              <a:t>When transforming features, we don’t need to convert back. </a:t>
-            </a:r>
-          </a:p>
-          <a:p>
-            <a:r>
-              <a:rPr lang="en-US" dirty="0"/>
-              <a:t>This is something that may be helpful, or may not, we need to test. </a:t>
-            </a:r>
-          </a:p>
-          <a:p>
-            <a:r>
-              <a:rPr lang="en-US" dirty="0"/>
-              <a:t>Note: this is more significant for more stats-y work, less with large ML models. </a:t>
-            </a:r>
-          </a:p>
-        </p:txBody>
-      </p:sp>
-    </p:spTree>
-    <p:extLst>
-      <p:ext uri="{BB962C8B-B14F-4D97-AF65-F5344CB8AC3E}">
-        <p14:creationId xmlns:p14="http://schemas.microsoft.com/office/powerpoint/2010/main" val="2476911658"/>
-      </p:ext>
-    </p:extLst>
-  </p:cSld>
-  <p:clrMapOvr>
-    <a:masterClrMapping/>
-  </p:clrMapOvr>
-</p:sld>
-</file>
-
-<file path=ppt/slides/slide12.xml><?xml version="1.0" encoding="utf-8"?>
-<p:sld xmlns:a="http://schemas.openxmlformats.org/drawingml/2006/main" xmlns:r="http://schemas.openxmlformats.org/officeDocument/2006/relationships" xmlns:p="http://schemas.openxmlformats.org/presentationml/2006/main">
-  <p:cSld>
-    <p:spTree>
-      <p:nvGrpSpPr>
-        <p:cNvPr id="1" name=""/>
-        <p:cNvGrpSpPr/>
-        <p:nvPr/>
-      </p:nvGrpSpPr>
-      <p:grpSpPr>
-        <a:xfrm>
-          <a:off x="0" y="0"/>
-          <a:ext cx="0" cy="0"/>
-          <a:chOff x="0" y="0"/>
-          <a:chExt cx="0" cy="0"/>
-        </a:xfrm>
-      </p:grpSpPr>
-      <p:sp>
-        <p:nvSpPr>
-          <p:cNvPr id="2" name="Title 1">
-            <a:extLst>
-              <a:ext uri="{FF2B5EF4-FFF2-40B4-BE49-F238E27FC236}">
-                <a16:creationId xmlns:a16="http://schemas.microsoft.com/office/drawing/2014/main" id="{BF6655D0-3268-60F7-4A1D-B58F7A6E9A92}"/>
-              </a:ext>
-            </a:extLst>
-          </p:cNvPr>
-          <p:cNvSpPr>
-            <a:spLocks noGrp="1"/>
-          </p:cNvSpPr>
-          <p:nvPr>
-            <p:ph type="title"/>
-          </p:nvPr>
-        </p:nvSpPr>
-        <p:spPr/>
-        <p:txBody>
-          <a:bodyPr/>
-          <a:lstStyle/>
-          <a:p>
-            <a:r>
-              <a:rPr lang="en-US" dirty="0"/>
-              <a:t>Common Transformation – Feature Scaling</a:t>
-            </a:r>
-          </a:p>
-        </p:txBody>
-      </p:sp>
-      <p:sp>
-        <p:nvSpPr>
-          <p:cNvPr id="3" name="Content Placeholder 2">
-            <a:extLst>
-              <a:ext uri="{FF2B5EF4-FFF2-40B4-BE49-F238E27FC236}">
-                <a16:creationId xmlns:a16="http://schemas.microsoft.com/office/drawing/2014/main" id="{CC95EC4A-CA61-9AB7-E594-3E4A25F84EEE}"/>
-              </a:ext>
-            </a:extLst>
-          </p:cNvPr>
-          <p:cNvSpPr>
-            <a:spLocks noGrp="1"/>
-          </p:cNvSpPr>
-          <p:nvPr>
-            <p:ph idx="1"/>
-          </p:nvPr>
-        </p:nvSpPr>
-        <p:spPr>
-          <a:xfrm>
-            <a:off x="1451579" y="1853754"/>
-            <a:ext cx="9603275" cy="4304675"/>
-          </a:xfrm>
-        </p:spPr>
-        <p:txBody>
-          <a:bodyPr/>
-          <a:lstStyle/>
-          <a:p>
-            <a:r>
-              <a:rPr lang="en-US" dirty="0"/>
-              <a:t>There is one transformation that we almost always want to do – feature scaling. </a:t>
-            </a:r>
-          </a:p>
-          <a:p>
-            <a:r>
-              <a:rPr lang="en-US" dirty="0"/>
-              <a:t>Feature scaling takes our input features and puts them on the same scale, or range. </a:t>
-            </a:r>
-          </a:p>
-          <a:p>
-            <a:r>
-              <a:rPr lang="en-US" dirty="0"/>
-              <a:t>There are two common options:</a:t>
-            </a:r>
-          </a:p>
-          <a:p>
-            <a:pPr lvl="1"/>
-            <a:r>
-              <a:rPr lang="en-US" dirty="0"/>
-              <a:t>Standardization – each feature is set to a mean of 0, and std of 1. </a:t>
-            </a:r>
-          </a:p>
-          <a:p>
-            <a:pPr lvl="1"/>
-            <a:r>
-              <a:rPr lang="en-US" dirty="0"/>
-              <a:t>Normalization – each feature is shifted to be between 0 and 1. </a:t>
-            </a:r>
-          </a:p>
-        </p:txBody>
-      </p:sp>
-      <p:pic>
-        <p:nvPicPr>
-          <p:cNvPr id="5122" name="Picture 2" descr="Feature Scaling">
-            <a:extLst>
-              <a:ext uri="{FF2B5EF4-FFF2-40B4-BE49-F238E27FC236}">
-                <a16:creationId xmlns:a16="http://schemas.microsoft.com/office/drawing/2014/main" id="{FFBBBFED-E832-C1BF-7C68-6225118E6B25}"/>
-              </a:ext>
-            </a:extLst>
-          </p:cNvPr>
-          <p:cNvPicPr>
-            <a:picLocks noChangeAspect="1" noChangeArrowheads="1"/>
-          </p:cNvPicPr>
-          <p:nvPr/>
-        </p:nvPicPr>
-        <p:blipFill rotWithShape="1">
-          <a:blip r:embed="rId2">
-            <a:extLst>
-              <a:ext uri="{28A0092B-C50C-407E-A947-70E740481C1C}">
-                <a14:useLocalDpi xmlns:a14="http://schemas.microsoft.com/office/drawing/2010/main" val="0"/>
-              </a:ext>
-            </a:extLst>
-          </a:blip>
-          <a:srcRect b="20945"/>
-          <a:stretch/>
-        </p:blipFill>
-        <p:spPr bwMode="auto">
-          <a:xfrm>
-            <a:off x="2062216" y="4123381"/>
-            <a:ext cx="8382000" cy="2640529"/>
-          </a:xfrm>
-          <a:prstGeom prst="rect">
-            <a:avLst/>
-          </a:prstGeom>
-          <a:noFill/>
-          <a:extLst>
-            <a:ext uri="{909E8E84-426E-40DD-AFC4-6F175D3DCCD1}">
-              <a14:hiddenFill xmlns:a14="http://schemas.microsoft.com/office/drawing/2010/main">
-                <a:solidFill>
-                  <a:srgbClr val="FFFFFF"/>
-                </a:solidFill>
-              </a14:hiddenFill>
-            </a:ext>
-          </a:extLst>
-        </p:spPr>
-      </p:pic>
-    </p:spTree>
-    <p:extLst>
-      <p:ext uri="{BB962C8B-B14F-4D97-AF65-F5344CB8AC3E}">
-        <p14:creationId xmlns:p14="http://schemas.microsoft.com/office/powerpoint/2010/main" val="2227200560"/>
-      </p:ext>
-    </p:extLst>
-  </p:cSld>
-  <p:clrMapOvr>
-    <a:masterClrMapping/>
-  </p:clrMapOvr>
-</p:sld>
-</file>
-
-<file path=ppt/slides/slide13.xml><?xml version="1.0" encoding="utf-8"?>
-<p:sld xmlns:a="http://schemas.openxmlformats.org/drawingml/2006/main" xmlns:r="http://schemas.openxmlformats.org/officeDocument/2006/relationships" xmlns:p="http://schemas.openxmlformats.org/presentationml/2006/main">
-  <p:cSld>
-    <p:spTree>
-      <p:nvGrpSpPr>
-        <p:cNvPr id="1" name=""/>
-        <p:cNvGrpSpPr/>
-        <p:nvPr/>
-      </p:nvGrpSpPr>
-      <p:grpSpPr>
-        <a:xfrm>
-          <a:off x="0" y="0"/>
-          <a:ext cx="0" cy="0"/>
-          <a:chOff x="0" y="0"/>
-          <a:chExt cx="0" cy="0"/>
-        </a:xfrm>
-      </p:grpSpPr>
-      <p:sp>
-        <p:nvSpPr>
-          <p:cNvPr id="2" name="Title 1">
-            <a:extLst>
-              <a:ext uri="{FF2B5EF4-FFF2-40B4-BE49-F238E27FC236}">
-                <a16:creationId xmlns:a16="http://schemas.microsoft.com/office/drawing/2014/main" id="{6D584AEC-E468-9FF6-3AF1-04E12EE7714A}"/>
-              </a:ext>
-            </a:extLst>
-          </p:cNvPr>
-          <p:cNvSpPr>
-            <a:spLocks noGrp="1"/>
-          </p:cNvSpPr>
-          <p:nvPr>
-            <p:ph type="title"/>
-          </p:nvPr>
-        </p:nvSpPr>
-        <p:spPr/>
-        <p:txBody>
-          <a:bodyPr/>
-          <a:lstStyle/>
-          <a:p>
-            <a:r>
-              <a:rPr lang="en-US" dirty="0"/>
-              <a:t>Why Scale</a:t>
-            </a:r>
-          </a:p>
-        </p:txBody>
-      </p:sp>
-      <p:sp>
-        <p:nvSpPr>
-          <p:cNvPr id="3" name="Content Placeholder 2">
-            <a:extLst>
-              <a:ext uri="{FF2B5EF4-FFF2-40B4-BE49-F238E27FC236}">
-                <a16:creationId xmlns:a16="http://schemas.microsoft.com/office/drawing/2014/main" id="{701C2117-F369-3826-E7D2-08A712B88038}"/>
-              </a:ext>
-            </a:extLst>
-          </p:cNvPr>
-          <p:cNvSpPr>
-            <a:spLocks noGrp="1"/>
-          </p:cNvSpPr>
-          <p:nvPr>
-            <p:ph idx="1"/>
-          </p:nvPr>
-        </p:nvSpPr>
-        <p:spPr>
-          <a:xfrm>
-            <a:off x="1451579" y="1853754"/>
-            <a:ext cx="9603275" cy="4199727"/>
-          </a:xfrm>
-        </p:spPr>
-        <p:txBody>
-          <a:bodyPr/>
-          <a:lstStyle/>
-          <a:p>
-            <a:r>
-              <a:rPr lang="en-US" dirty="0"/>
-              <a:t>Again, why would we do this?</a:t>
-            </a:r>
-          </a:p>
-          <a:p>
-            <a:r>
-              <a:rPr lang="en-US" dirty="0"/>
-              <a:t>In short, if features have a very different range, one can “dominate” and make the model perform poorly. Suppose a bank is offering a loan, and a model predicts interest rate.</a:t>
-            </a:r>
-          </a:p>
-          <a:p>
-            <a:pPr lvl="1"/>
-            <a:r>
-              <a:rPr lang="en-US" dirty="0"/>
-              <a:t>Recall, a linear regression prediction is y = m1*x2 + m2*x2 +b.</a:t>
-            </a:r>
-          </a:p>
-          <a:p>
-            <a:pPr lvl="1"/>
-            <a:r>
-              <a:rPr lang="en-US" dirty="0"/>
-              <a:t>If X1 is ’net worth’ the range may be -$500k to $50 million or something. </a:t>
-            </a:r>
-          </a:p>
-          <a:p>
-            <a:pPr lvl="1"/>
-            <a:r>
-              <a:rPr lang="en-US" dirty="0"/>
-              <a:t>If X2 is ‘age’ that range is 20 to 100ish. </a:t>
-            </a:r>
-          </a:p>
-          <a:p>
-            <a:pPr lvl="1"/>
-            <a:r>
-              <a:rPr lang="en-US" dirty="0"/>
-              <a:t>The raw size of the income numbers “overwhelm” the other term. </a:t>
-            </a:r>
-          </a:p>
-          <a:p>
-            <a:r>
-              <a:rPr lang="en-US" dirty="0"/>
-              <a:t>Different types of models and data can be impacted different amounts by this. </a:t>
-            </a:r>
-          </a:p>
-          <a:p>
-            <a:pPr lvl="1"/>
-            <a:r>
-              <a:rPr lang="en-US" dirty="0"/>
-              <a:t>Simple linear regression, not much, other models, quite a bit. </a:t>
-            </a:r>
-          </a:p>
-        </p:txBody>
-      </p:sp>
-    </p:spTree>
-    <p:extLst>
-      <p:ext uri="{BB962C8B-B14F-4D97-AF65-F5344CB8AC3E}">
-        <p14:creationId xmlns:p14="http://schemas.microsoft.com/office/powerpoint/2010/main" val="3703420107"/>
-      </p:ext>
-    </p:extLst>
-  </p:cSld>
-  <p:clrMapOvr>
-    <a:masterClrMapping/>
-  </p:clrMapOvr>
-</p:sld>
-</file>
-
-<file path=ppt/slides/slide14.xml><?xml version="1.0" encoding="utf-8"?>
-<p:sld xmlns:a="http://schemas.openxmlformats.org/drawingml/2006/main" xmlns:r="http://schemas.openxmlformats.org/officeDocument/2006/relationships" xmlns:p="http://schemas.openxmlformats.org/presentationml/2006/main">
-  <p:cSld>
-    <p:spTree>
-      <p:nvGrpSpPr>
-        <p:cNvPr id="1" name=""/>
-        <p:cNvGrpSpPr/>
-        <p:nvPr/>
-      </p:nvGrpSpPr>
-      <p:grpSpPr>
-        <a:xfrm>
-          <a:off x="0" y="0"/>
-          <a:ext cx="0" cy="0"/>
-          <a:chOff x="0" y="0"/>
-          <a:chExt cx="0" cy="0"/>
-        </a:xfrm>
-      </p:grpSpPr>
-      <p:sp>
-        <p:nvSpPr>
-          <p:cNvPr id="2" name="Title 1">
-            <a:extLst>
-              <a:ext uri="{FF2B5EF4-FFF2-40B4-BE49-F238E27FC236}">
-                <a16:creationId xmlns:a16="http://schemas.microsoft.com/office/drawing/2014/main" id="{41FC2EF3-7A31-177A-7203-B82597E98D4D}"/>
-              </a:ext>
-            </a:extLst>
-          </p:cNvPr>
-          <p:cNvSpPr>
-            <a:spLocks noGrp="1"/>
-          </p:cNvSpPr>
-          <p:nvPr>
-            <p:ph type="title"/>
-          </p:nvPr>
-        </p:nvSpPr>
-        <p:spPr/>
-        <p:txBody>
-          <a:bodyPr/>
-          <a:lstStyle/>
-          <a:p>
-            <a:r>
-              <a:rPr lang="en-US" dirty="0"/>
-              <a:t>Results</a:t>
-            </a:r>
-          </a:p>
-        </p:txBody>
-      </p:sp>
-      <p:sp>
-        <p:nvSpPr>
-          <p:cNvPr id="3" name="Content Placeholder 2">
-            <a:extLst>
-              <a:ext uri="{FF2B5EF4-FFF2-40B4-BE49-F238E27FC236}">
-                <a16:creationId xmlns:a16="http://schemas.microsoft.com/office/drawing/2014/main" id="{29738747-B669-C04F-08EE-99A71AA3A351}"/>
-              </a:ext>
-            </a:extLst>
-          </p:cNvPr>
-          <p:cNvSpPr>
-            <a:spLocks noGrp="1"/>
-          </p:cNvSpPr>
-          <p:nvPr>
-            <p:ph idx="1"/>
-          </p:nvPr>
-        </p:nvSpPr>
-        <p:spPr>
-          <a:xfrm>
-            <a:off x="1451579" y="1853754"/>
-            <a:ext cx="9603275" cy="4199727"/>
-          </a:xfrm>
-        </p:spPr>
-        <p:txBody>
-          <a:bodyPr/>
-          <a:lstStyle/>
-          <a:p>
-            <a:r>
-              <a:rPr lang="en-US" dirty="0"/>
-              <a:t>The results of data scaling is that all of the features are on the same scale, either:</a:t>
-            </a:r>
-          </a:p>
-          <a:p>
-            <a:pPr lvl="1"/>
-            <a:r>
-              <a:rPr lang="en-US" dirty="0"/>
-              <a:t>Centered at 0 with standardization. Or</a:t>
-            </a:r>
-          </a:p>
-          <a:p>
-            <a:pPr lvl="1"/>
-            <a:r>
-              <a:rPr lang="en-US" dirty="0"/>
-              <a:t>Boxed between 0 and 1 with normalization. </a:t>
-            </a:r>
-          </a:p>
-          <a:p>
-            <a:r>
-              <a:rPr lang="en-US" dirty="0"/>
-              <a:t>This means that the actual x values going into the </a:t>
-            </a:r>
-            <a:r>
-              <a:rPr lang="en-US" dirty="0" err="1"/>
-              <a:t>y-mx+b</a:t>
-            </a:r>
-            <a:r>
-              <a:rPr lang="en-US" dirty="0"/>
-              <a:t> equation are on the same scale, so if one was really large, that impact is negated. </a:t>
-            </a:r>
-          </a:p>
-          <a:p>
-            <a:r>
-              <a:rPr lang="en-US" dirty="0"/>
-              <a:t>Models will generally perform better:</a:t>
-            </a:r>
-          </a:p>
-          <a:p>
-            <a:pPr lvl="1"/>
-            <a:r>
-              <a:rPr lang="en-US" dirty="0"/>
-              <a:t>Accuracy can and often does improve. </a:t>
-            </a:r>
-          </a:p>
-          <a:p>
-            <a:pPr lvl="1"/>
-            <a:r>
-              <a:rPr lang="en-US" dirty="0"/>
-              <a:t>The speed of a model finding a solution gets far better (important later on). </a:t>
-            </a:r>
-          </a:p>
-          <a:p>
-            <a:r>
-              <a:rPr lang="en-US" dirty="0"/>
-              <a:t>We almost always want to do some scaling. </a:t>
-            </a:r>
-          </a:p>
-        </p:txBody>
-      </p:sp>
-      <p:pic>
-        <p:nvPicPr>
-          <p:cNvPr id="7170" name="Picture 2" descr="Standardization VS Normalization">
-            <a:extLst>
-              <a:ext uri="{FF2B5EF4-FFF2-40B4-BE49-F238E27FC236}">
-                <a16:creationId xmlns:a16="http://schemas.microsoft.com/office/drawing/2014/main" id="{5658FD3F-4587-871C-9027-8A6264316F8F}"/>
-              </a:ext>
-            </a:extLst>
-          </p:cNvPr>
-          <p:cNvPicPr>
-            <a:picLocks noChangeAspect="1" noChangeArrowheads="1"/>
-          </p:cNvPicPr>
-          <p:nvPr/>
-        </p:nvPicPr>
-        <p:blipFill rotWithShape="1">
-          <a:blip r:embed="rId2">
-            <a:extLst>
-              <a:ext uri="{28A0092B-C50C-407E-A947-70E740481C1C}">
-                <a14:useLocalDpi xmlns:a14="http://schemas.microsoft.com/office/drawing/2010/main" val="0"/>
-              </a:ext>
-            </a:extLst>
-          </a:blip>
-          <a:srcRect l="5143" t="10080" b="9310"/>
-          <a:stretch/>
-        </p:blipFill>
-        <p:spPr bwMode="auto">
-          <a:xfrm>
-            <a:off x="8736226" y="-97988"/>
-            <a:ext cx="3369276" cy="1951742"/>
-          </a:xfrm>
-          <a:prstGeom prst="rect">
-            <a:avLst/>
-          </a:prstGeom>
-          <a:noFill/>
-          <a:extLst>
-            <a:ext uri="{909E8E84-426E-40DD-AFC4-6F175D3DCCD1}">
-              <a14:hiddenFill xmlns:a14="http://schemas.microsoft.com/office/drawing/2010/main">
-                <a:solidFill>
-                  <a:srgbClr val="FFFFFF"/>
-                </a:solidFill>
-              </a14:hiddenFill>
-            </a:ext>
-          </a:extLst>
-        </p:spPr>
-      </p:pic>
-    </p:spTree>
-    <p:extLst>
-      <p:ext uri="{BB962C8B-B14F-4D97-AF65-F5344CB8AC3E}">
-        <p14:creationId xmlns:p14="http://schemas.microsoft.com/office/powerpoint/2010/main" val="1069682001"/>
-      </p:ext>
-    </p:extLst>
-  </p:cSld>
-  <p:clrMapOvr>
-    <a:masterClrMapping/>
-  </p:clrMapOvr>
-</p:sld>
-</file>
-
-<file path=ppt/slides/slide15.xml><?xml version="1.0" encoding="utf-8"?>
 <p:sld xmlns:a="http://schemas.openxmlformats.org/drawingml/2006/main" xmlns:r="http://schemas.openxmlformats.org/officeDocument/2006/relationships" xmlns:p="http://schemas.openxmlformats.org/presentationml/2006/main">
   <p:cSld>
     <p:bg>
@@ -4507,99 +3792,107 @@
       </p:grpSpPr>
       <p:sp>
         <p:nvSpPr>
-          <p:cNvPr id="6151" name="Rectangle 6150">
+          <p:cNvPr id="2" name="Title 1">
             <a:extLst>
               <a:ext uri="{FF2B5EF4-FFF2-40B4-BE49-F238E27FC236}">
-                <a16:creationId xmlns:a16="http://schemas.microsoft.com/office/drawing/2014/main" id="{CDDE5CDF-1512-4CDA-B956-23D223F8DE44}"/>
-              </a:ext>
-              <a:ext uri="{C183D7F6-B498-43B3-948B-1728B52AA6E4}">
-                <adec:decorative xmlns:adec="http://schemas.microsoft.com/office/drawing/2017/decorative" val="1"/>
+                <a16:creationId xmlns:a16="http://schemas.microsoft.com/office/drawing/2014/main" id="{FB2FD20C-6318-2581-4E3E-8CC3E5EDC52A}"/>
               </a:ext>
             </a:extLst>
           </p:cNvPr>
           <p:cNvSpPr>
-            <a:spLocks noGrp="1" noRot="1" noChangeAspect="1" noMove="1" noResize="1" noEditPoints="1" noAdjustHandles="1" noChangeArrowheads="1" noChangeShapeType="1" noTextEdit="1"/>
-          </p:cNvSpPr>
-          <p:nvPr>
-            <p:extLst>
-              <p:ext uri="{386F3935-93C4-4BCD-93E2-E3B085C9AB24}">
-                <p16:designElem xmlns:p16="http://schemas.microsoft.com/office/powerpoint/2015/main" val="1"/>
-              </p:ext>
-            </p:extLst>
+            <a:spLocks noGrp="1"/>
+          </p:cNvSpPr>
+          <p:nvPr>
+            <p:ph type="title"/>
           </p:nvPr>
         </p:nvSpPr>
         <p:spPr>
           <a:xfrm>
-            <a:off x="0" y="2019476"/>
-            <a:ext cx="12192000" cy="4105941"/>
-          </a:xfrm>
-          <a:prstGeom prst="rect">
-            <a:avLst/>
-          </a:prstGeom>
-          <a:gradFill flip="none" rotWithShape="1">
-            <a:gsLst>
-              <a:gs pos="0">
-                <a:schemeClr val="bg2">
-                  <a:alpha val="0"/>
-                </a:schemeClr>
-              </a:gs>
-              <a:gs pos="100000">
-                <a:schemeClr val="bg2"/>
-              </a:gs>
-            </a:gsLst>
-            <a:lin ang="5400000" scaled="0"/>
-            <a:tileRect/>
-          </a:gradFill>
-          <a:ln>
-            <a:noFill/>
-          </a:ln>
-        </p:spPr>
-        <p:style>
-          <a:lnRef idx="2">
-            <a:schemeClr val="accent1">
-              <a:shade val="50000"/>
-            </a:schemeClr>
-          </a:lnRef>
-          <a:fillRef idx="1">
-            <a:schemeClr val="accent1"/>
-          </a:fillRef>
-          <a:effectRef idx="0">
-            <a:schemeClr val="accent1"/>
-          </a:effectRef>
-          <a:fontRef idx="minor">
-            <a:schemeClr val="lt1"/>
-          </a:fontRef>
-        </p:style>
-        <p:txBody>
-          <a:bodyPr/>
-          <a:lstStyle/>
-          <a:p>
-            <a:endParaRPr lang="en-US"/>
+            <a:off x="1451579" y="804519"/>
+            <a:ext cx="9603275" cy="1049235"/>
+          </a:xfrm>
+        </p:spPr>
+        <p:txBody>
+          <a:bodyPr>
+            <a:normAutofit/>
+          </a:bodyPr>
+          <a:lstStyle/>
+          <a:p>
+            <a:r>
+              <a:rPr lang="en-US" dirty="0"/>
+              <a:t>Example – Skew With Log Transformations</a:t>
+            </a:r>
+          </a:p>
+        </p:txBody>
+      </p:sp>
+      <p:sp>
+        <p:nvSpPr>
+          <p:cNvPr id="3" name="Content Placeholder 2">
+            <a:extLst>
+              <a:ext uri="{FF2B5EF4-FFF2-40B4-BE49-F238E27FC236}">
+                <a16:creationId xmlns:a16="http://schemas.microsoft.com/office/drawing/2014/main" id="{E3BFE9CF-E80F-68A9-DE8B-0FFE83A3A37D}"/>
+              </a:ext>
+            </a:extLst>
+          </p:cNvPr>
+          <p:cNvSpPr>
+            <a:spLocks noGrp="1"/>
+          </p:cNvSpPr>
+          <p:nvPr>
+            <p:ph idx="1"/>
+          </p:nvPr>
+        </p:nvSpPr>
+        <p:spPr>
+          <a:xfrm>
+            <a:off x="1" y="2015734"/>
+            <a:ext cx="4750318" cy="4037747"/>
+          </a:xfrm>
+        </p:spPr>
+        <p:txBody>
+          <a:bodyPr>
+            <a:normAutofit/>
+          </a:bodyPr>
+          <a:lstStyle/>
+          <a:p>
+            <a:r>
+              <a:rPr lang="en-US" dirty="0"/>
+              <a:t>One common thing we can do is to remove skew in a value with a Log Transformation. </a:t>
+            </a:r>
+          </a:p>
+          <a:p>
+            <a:pPr lvl="1"/>
+            <a:r>
+              <a:rPr lang="en-US" dirty="0"/>
+              <a:t>We take skewed data and use the log of that data instead of the original. </a:t>
+            </a:r>
+          </a:p>
+          <a:p>
+            <a:r>
+              <a:rPr lang="en-US" dirty="0"/>
+              <a:t>The result is normally a more normally distributed feature. </a:t>
+            </a:r>
+          </a:p>
+          <a:p>
+            <a:pPr lvl="1"/>
+            <a:r>
+              <a:rPr lang="en-US" dirty="0"/>
+              <a:t>Ok, but still… why? </a:t>
+            </a:r>
           </a:p>
         </p:txBody>
       </p:sp>
       <p:pic>
         <p:nvPicPr>
-          <p:cNvPr id="6153" name="Picture 6152">
+          <p:cNvPr id="4098" name="Picture 2" descr="Log or not log (transform data) that's the question - PharmaLex">
             <a:extLst>
               <a:ext uri="{FF2B5EF4-FFF2-40B4-BE49-F238E27FC236}">
-                <a16:creationId xmlns:a16="http://schemas.microsoft.com/office/drawing/2014/main" id="{B029D7D8-5A6B-4C76-94C8-15798C6C5ADB}"/>
-              </a:ext>
-              <a:ext uri="{C183D7F6-B498-43B3-948B-1728B52AA6E4}">
-                <adec:decorative xmlns:adec="http://schemas.microsoft.com/office/drawing/2017/decorative" val="1"/>
+                <a16:creationId xmlns:a16="http://schemas.microsoft.com/office/drawing/2014/main" id="{CBC76423-1854-9B58-1691-6DD2A7AA5359}"/>
               </a:ext>
             </a:extLst>
           </p:cNvPr>
           <p:cNvPicPr>
-            <a:picLocks noGrp="1" noRot="1" noChangeAspect="1" noMove="1" noResize="1" noEditPoints="1" noAdjustHandles="1" noChangeArrowheads="1" noChangeShapeType="1" noCrop="1"/>
+            <a:picLocks noChangeAspect="1" noChangeArrowheads="1"/>
           </p:cNvPicPr>
-          <p:nvPr>
-            <p:extLst>
-              <p:ext uri="{386F3935-93C4-4BCD-93E2-E3B085C9AB24}">
-                <p16:designElem xmlns:p16="http://schemas.microsoft.com/office/powerpoint/2015/main" val="1"/>
-              </p:ext>
-            </p:extLst>
-          </p:nvPr>
+          <p:nvPr/>
         </p:nvPicPr>
         <p:blipFill rotWithShape="1">
           <a:blip r:embed="rId2">
@@ -4609,165 +3902,13 @@
               </a:ext>
             </a:extLst>
           </a:blip>
-          <a:srcRect t="1538" b="-1538"/>
+          <a:srcRect l="6675" t="12112" r="4146" b="10955"/>
           <a:stretch/>
         </p:blipFill>
-        <p:spPr bwMode="black">
-          <a:xfrm>
-            <a:off x="0" y="6126480"/>
-            <a:ext cx="12192000" cy="742950"/>
-          </a:xfrm>
-          <a:prstGeom prst="rect">
-            <a:avLst/>
-          </a:prstGeom>
-        </p:spPr>
-      </p:pic>
-      <p:cxnSp>
-        <p:nvCxnSpPr>
-          <p:cNvPr id="6155" name="Straight Connector 6154">
-            <a:extLst>
-              <a:ext uri="{FF2B5EF4-FFF2-40B4-BE49-F238E27FC236}">
-                <a16:creationId xmlns:a16="http://schemas.microsoft.com/office/drawing/2014/main" id="{A5C9319C-E20D-4884-952F-60B6A58C3E34}"/>
-              </a:ext>
-              <a:ext uri="{C183D7F6-B498-43B3-948B-1728B52AA6E4}">
-                <adec:decorative xmlns:adec="http://schemas.microsoft.com/office/drawing/2017/decorative" val="1"/>
-              </a:ext>
-            </a:extLst>
-          </p:cNvPr>
-          <p:cNvCxnSpPr>
-            <a:cxnSpLocks noGrp="1" noRot="1" noChangeAspect="1" noMove="1" noResize="1" noEditPoints="1" noAdjustHandles="1" noChangeArrowheads="1" noChangeShapeType="1"/>
-          </p:cNvCxnSpPr>
-          <p:nvPr>
-            <p:extLst>
-              <p:ext uri="{386F3935-93C4-4BCD-93E2-E3B085C9AB24}">
-                <p16:designElem xmlns:p16="http://schemas.microsoft.com/office/powerpoint/2015/main" val="1"/>
-              </p:ext>
-            </p:extLst>
-          </p:nvPr>
-        </p:nvCxnSpPr>
-        <p:spPr>
-          <a:xfrm>
-            <a:off x="0" y="6128413"/>
-            <a:ext cx="12192000" cy="0"/>
-          </a:xfrm>
-          <a:prstGeom prst="line">
-            <a:avLst/>
-          </a:prstGeom>
-          <a:ln w="12700">
-            <a:solidFill>
-              <a:srgbClr val="000001">
-                <a:alpha val="20000"/>
-              </a:srgbClr>
-            </a:solidFill>
-          </a:ln>
-        </p:spPr>
-        <p:style>
-          <a:lnRef idx="1">
-            <a:schemeClr val="accent1"/>
-          </a:lnRef>
-          <a:fillRef idx="0">
-            <a:schemeClr val="accent1"/>
-          </a:fillRef>
-          <a:effectRef idx="0">
-            <a:schemeClr val="accent1"/>
-          </a:effectRef>
-          <a:fontRef idx="minor">
-            <a:schemeClr val="tx1"/>
-          </a:fontRef>
-        </p:style>
-      </p:cxnSp>
-      <p:sp useBgFill="1">
-        <p:nvSpPr>
-          <p:cNvPr id="6157" name="Rectangle 6156">
-            <a:extLst>
-              <a:ext uri="{FF2B5EF4-FFF2-40B4-BE49-F238E27FC236}">
-                <a16:creationId xmlns:a16="http://schemas.microsoft.com/office/drawing/2014/main" id="{62C9703D-C8F9-44AD-A7C0-C2F3871F8C1B}"/>
-              </a:ext>
-              <a:ext uri="{C183D7F6-B498-43B3-948B-1728B52AA6E4}">
-                <adec:decorative xmlns:adec="http://schemas.microsoft.com/office/drawing/2017/decorative" val="1"/>
-              </a:ext>
-            </a:extLst>
-          </p:cNvPr>
-          <p:cNvSpPr>
-            <a:spLocks noGrp="1" noRot="1" noChangeAspect="1" noMove="1" noResize="1" noEditPoints="1" noAdjustHandles="1" noChangeArrowheads="1" noChangeShapeType="1" noTextEdit="1"/>
-          </p:cNvSpPr>
-          <p:nvPr>
-            <p:extLst>
-              <p:ext uri="{386F3935-93C4-4BCD-93E2-E3B085C9AB24}">
-                <p16:designElem xmlns:p16="http://schemas.microsoft.com/office/powerpoint/2015/main" val="1"/>
-              </p:ext>
-            </p:extLst>
-          </p:nvPr>
-        </p:nvSpPr>
-        <p:spPr>
-          <a:xfrm>
-            <a:off x="0" y="0"/>
-            <a:ext cx="12192000" cy="6160168"/>
-          </a:xfrm>
-          <a:prstGeom prst="rect">
-            <a:avLst/>
-          </a:prstGeom>
-          <a:ln>
-            <a:noFill/>
-          </a:ln>
-        </p:spPr>
-        <p:style>
-          <a:lnRef idx="2">
-            <a:schemeClr val="accent1">
-              <a:shade val="50000"/>
-            </a:schemeClr>
-          </a:lnRef>
-          <a:fillRef idx="1">
-            <a:schemeClr val="accent1"/>
-          </a:fillRef>
-          <a:effectRef idx="0">
-            <a:schemeClr val="accent1"/>
-          </a:effectRef>
-          <a:fontRef idx="minor">
-            <a:schemeClr val="lt1"/>
-          </a:fontRef>
-        </p:style>
-        <p:txBody>
-          <a:bodyPr rtlCol="0" anchor="ctr"/>
-          <a:lstStyle/>
-          <a:p>
-            <a:pPr algn="ctr"/>
-            <a:endParaRPr lang="en-US"/>
-          </a:p>
-        </p:txBody>
-      </p:sp>
-      <p:pic>
-        <p:nvPicPr>
-          <p:cNvPr id="6146" name="Picture 2" descr="What Do Normalization and Standardization Mean? When to Normalize Data and  When to Standardize Data? | by Akalbir Singh Chadha | Becoming Human:  Artificial Intelligence Magazine">
-            <a:extLst>
-              <a:ext uri="{FF2B5EF4-FFF2-40B4-BE49-F238E27FC236}">
-                <a16:creationId xmlns:a16="http://schemas.microsoft.com/office/drawing/2014/main" id="{19251593-A7AD-6B1B-7DBD-013DB80E28D5}"/>
-              </a:ext>
-            </a:extLst>
-          </p:cNvPr>
-          <p:cNvPicPr>
-            <a:picLocks noGrp="1" noChangeAspect="1" noChangeArrowheads="1"/>
-          </p:cNvPicPr>
-          <p:nvPr>
-            <p:ph idx="1"/>
-          </p:nvPr>
-        </p:nvPicPr>
-        <p:blipFill>
-          <a:blip r:embed="rId3">
-            <a:extLst>
-              <a:ext uri="{28A0092B-C50C-407E-A947-70E740481C1C}">
-                <a14:useLocalDpi xmlns:a14="http://schemas.microsoft.com/office/drawing/2010/main" val="0"/>
-              </a:ext>
-            </a:extLst>
-          </a:blip>
-          <a:stretch>
-            <a:fillRect/>
-          </a:stretch>
-        </p:blipFill>
         <p:spPr bwMode="auto">
           <a:xfrm>
-            <a:off x="795289" y="643467"/>
-            <a:ext cx="10601421" cy="4873234"/>
+            <a:off x="4750319" y="2177714"/>
+            <a:ext cx="7441681" cy="3450613"/>
           </a:xfrm>
           <a:prstGeom prst="rect">
             <a:avLst/>
@@ -4787,7 +3928,767 @@
     </p:spTree>
     <p:extLst>
       <p:ext uri="{BB962C8B-B14F-4D97-AF65-F5344CB8AC3E}">
-        <p14:creationId xmlns:p14="http://schemas.microsoft.com/office/powerpoint/2010/main" val="283574080"/>
+        <p14:creationId xmlns:p14="http://schemas.microsoft.com/office/powerpoint/2010/main" val="746294203"/>
+      </p:ext>
+    </p:extLst>
+  </p:cSld>
+  <p:clrMapOvr>
+    <a:masterClrMapping/>
+  </p:clrMapOvr>
+</p:sld>
+</file>
+
+<file path=ppt/slides/slide11.xml><?xml version="1.0" encoding="utf-8"?>
+<p:sld xmlns:a="http://schemas.openxmlformats.org/drawingml/2006/main" xmlns:r="http://schemas.openxmlformats.org/officeDocument/2006/relationships" xmlns:p="http://schemas.openxmlformats.org/presentationml/2006/main">
+  <p:cSld>
+    <p:spTree>
+      <p:nvGrpSpPr>
+        <p:cNvPr id="1" name=""/>
+        <p:cNvGrpSpPr/>
+        <p:nvPr/>
+      </p:nvGrpSpPr>
+      <p:grpSpPr>
+        <a:xfrm>
+          <a:off x="0" y="0"/>
+          <a:ext cx="0" cy="0"/>
+          <a:chOff x="0" y="0"/>
+          <a:chExt cx="0" cy="0"/>
+        </a:xfrm>
+      </p:grpSpPr>
+      <p:sp>
+        <p:nvSpPr>
+          <p:cNvPr id="2" name="Title 1">
+            <a:extLst>
+              <a:ext uri="{FF2B5EF4-FFF2-40B4-BE49-F238E27FC236}">
+                <a16:creationId xmlns:a16="http://schemas.microsoft.com/office/drawing/2014/main" id="{57B6B062-21B5-C3AB-1E0E-759B168E0E7A}"/>
+              </a:ext>
+            </a:extLst>
+          </p:cNvPr>
+          <p:cNvSpPr>
+            <a:spLocks noGrp="1"/>
+          </p:cNvSpPr>
+          <p:nvPr>
+            <p:ph type="title"/>
+          </p:nvPr>
+        </p:nvSpPr>
+        <p:spPr/>
+        <p:txBody>
+          <a:bodyPr/>
+          <a:lstStyle/>
+          <a:p>
+            <a:r>
+              <a:rPr lang="en-US" dirty="0" err="1"/>
+              <a:t>Autobots</a:t>
+            </a:r>
+            <a:r>
+              <a:rPr lang="en-US" dirty="0"/>
+              <a:t>, Roll-Out!</a:t>
+            </a:r>
+          </a:p>
+        </p:txBody>
+      </p:sp>
+      <p:sp>
+        <p:nvSpPr>
+          <p:cNvPr id="3" name="Content Placeholder 2">
+            <a:extLst>
+              <a:ext uri="{FF2B5EF4-FFF2-40B4-BE49-F238E27FC236}">
+                <a16:creationId xmlns:a16="http://schemas.microsoft.com/office/drawing/2014/main" id="{7F4A5E4D-9EF5-E647-5943-5ABA4BDDE553}"/>
+              </a:ext>
+            </a:extLst>
+          </p:cNvPr>
+          <p:cNvSpPr>
+            <a:spLocks noGrp="1"/>
+          </p:cNvSpPr>
+          <p:nvPr>
+            <p:ph idx="1"/>
+          </p:nvPr>
+        </p:nvSpPr>
+        <p:spPr>
+          <a:xfrm>
+            <a:off x="1451579" y="1938969"/>
+            <a:ext cx="9603275" cy="4114511"/>
+          </a:xfrm>
+        </p:spPr>
+        <p:txBody>
+          <a:bodyPr/>
+          <a:lstStyle/>
+          <a:p>
+            <a:r>
+              <a:rPr lang="en-US" dirty="0"/>
+              <a:t>What happens here and how does it help?</a:t>
+            </a:r>
+          </a:p>
+          <a:p>
+            <a:r>
+              <a:rPr lang="en-US" dirty="0"/>
+              <a:t>In several models (the details are largely beyond our scope) there is an assumption that data is normal, so if things are normal we’ll get better results. </a:t>
+            </a:r>
+          </a:p>
+          <a:p>
+            <a:r>
+              <a:rPr lang="en-US" dirty="0"/>
+              <a:t>It also makes the residuals – errors of each prediction – more consistent. </a:t>
+            </a:r>
+          </a:p>
+          <a:p>
+            <a:pPr lvl="1"/>
+            <a:r>
+              <a:rPr lang="en-US" dirty="0"/>
+              <a:t>In the original, the amount of error above/below isn’t even. </a:t>
+            </a:r>
+          </a:p>
+          <a:p>
+            <a:pPr lvl="1"/>
+            <a:r>
+              <a:rPr lang="en-US" dirty="0"/>
+              <a:t>In the transformed version, it is. </a:t>
+            </a:r>
+          </a:p>
+          <a:p>
+            <a:pPr lvl="1"/>
+            <a:r>
+              <a:rPr lang="en-US" dirty="0"/>
+              <a:t>In models that use an iterative process to ‘work towards’ and answer, this helps a bunch. </a:t>
+            </a:r>
+          </a:p>
+          <a:p>
+            <a:r>
+              <a:rPr lang="en-US" dirty="0"/>
+              <a:t>Note: with our simple linear regression the impacts are minor, the other model part will make sense soon. </a:t>
+            </a:r>
+          </a:p>
+        </p:txBody>
+      </p:sp>
+    </p:spTree>
+    <p:extLst>
+      <p:ext uri="{BB962C8B-B14F-4D97-AF65-F5344CB8AC3E}">
+        <p14:creationId xmlns:p14="http://schemas.microsoft.com/office/powerpoint/2010/main" val="2016637127"/>
+      </p:ext>
+    </p:extLst>
+  </p:cSld>
+  <p:clrMapOvr>
+    <a:masterClrMapping/>
+  </p:clrMapOvr>
+</p:sld>
+</file>
+
+<file path=ppt/slides/slide12.xml><?xml version="1.0" encoding="utf-8"?>
+<p:sld xmlns:a="http://schemas.openxmlformats.org/drawingml/2006/main" xmlns:r="http://schemas.openxmlformats.org/officeDocument/2006/relationships" xmlns:p="http://schemas.openxmlformats.org/presentationml/2006/main">
+  <p:cSld>
+    <p:spTree>
+      <p:nvGrpSpPr>
+        <p:cNvPr id="1" name=""/>
+        <p:cNvGrpSpPr/>
+        <p:nvPr/>
+      </p:nvGrpSpPr>
+      <p:grpSpPr>
+        <a:xfrm>
+          <a:off x="0" y="0"/>
+          <a:ext cx="0" cy="0"/>
+          <a:chOff x="0" y="0"/>
+          <a:chExt cx="0" cy="0"/>
+        </a:xfrm>
+      </p:grpSpPr>
+      <p:sp>
+        <p:nvSpPr>
+          <p:cNvPr id="2" name="Title 1">
+            <a:extLst>
+              <a:ext uri="{FF2B5EF4-FFF2-40B4-BE49-F238E27FC236}">
+                <a16:creationId xmlns:a16="http://schemas.microsoft.com/office/drawing/2014/main" id="{4894A466-10A2-991B-5486-13596B5DB3F5}"/>
+              </a:ext>
+            </a:extLst>
+          </p:cNvPr>
+          <p:cNvSpPr>
+            <a:spLocks noGrp="1"/>
+          </p:cNvSpPr>
+          <p:nvPr>
+            <p:ph type="title"/>
+          </p:nvPr>
+        </p:nvSpPr>
+        <p:spPr/>
+        <p:txBody>
+          <a:bodyPr/>
+          <a:lstStyle/>
+          <a:p>
+            <a:r>
+              <a:rPr lang="en-US" dirty="0"/>
+              <a:t>Using transformations</a:t>
+            </a:r>
+          </a:p>
+        </p:txBody>
+      </p:sp>
+      <p:sp>
+        <p:nvSpPr>
+          <p:cNvPr id="3" name="Content Placeholder 2">
+            <a:extLst>
+              <a:ext uri="{FF2B5EF4-FFF2-40B4-BE49-F238E27FC236}">
+                <a16:creationId xmlns:a16="http://schemas.microsoft.com/office/drawing/2014/main" id="{790BED81-E510-ED33-C87F-65A27CBDA269}"/>
+              </a:ext>
+            </a:extLst>
+          </p:cNvPr>
+          <p:cNvSpPr>
+            <a:spLocks noGrp="1"/>
+          </p:cNvSpPr>
+          <p:nvPr>
+            <p:ph idx="1"/>
+          </p:nvPr>
+        </p:nvSpPr>
+        <p:spPr>
+          <a:xfrm>
+            <a:off x="1451579" y="1853754"/>
+            <a:ext cx="9603275" cy="4199727"/>
+          </a:xfrm>
+        </p:spPr>
+        <p:txBody>
+          <a:bodyPr/>
+          <a:lstStyle/>
+          <a:p>
+            <a:r>
+              <a:rPr lang="en-US" dirty="0"/>
+              <a:t>If we think a transformation is helpful, we can try it and see the results. </a:t>
+            </a:r>
+          </a:p>
+          <a:p>
+            <a:r>
+              <a:rPr lang="en-US" dirty="0"/>
+              <a:t>Use a function or just a line of code to change that variable before it goes into the model. </a:t>
+            </a:r>
+          </a:p>
+          <a:p>
+            <a:r>
+              <a:rPr lang="en-US" dirty="0"/>
+              <a:t>If we want the “real” value, we need to undo this. </a:t>
+            </a:r>
+          </a:p>
+          <a:p>
+            <a:pPr lvl="1"/>
+            <a:r>
+              <a:rPr lang="en-US" dirty="0"/>
+              <a:t>If we did a log transformation to a target, our predictions would be on a log scale. </a:t>
+            </a:r>
+          </a:p>
+          <a:p>
+            <a:pPr lvl="1"/>
+            <a:r>
+              <a:rPr lang="en-US" dirty="0"/>
+              <a:t>We could use the opposite of a log, exp(), to get the value back on the real scale. </a:t>
+            </a:r>
+          </a:p>
+          <a:p>
+            <a:pPr lvl="1"/>
+            <a:r>
+              <a:rPr lang="en-US" dirty="0"/>
+              <a:t>When transforming features, we don’t need to convert back. </a:t>
+            </a:r>
+          </a:p>
+          <a:p>
+            <a:r>
+              <a:rPr lang="en-US" dirty="0"/>
+              <a:t>This is something that may be helpful, or may not, we need to test. </a:t>
+            </a:r>
+          </a:p>
+          <a:p>
+            <a:r>
+              <a:rPr lang="en-US" dirty="0"/>
+              <a:t>Note: this is more significant for more stats-y work, less with large ML models. </a:t>
+            </a:r>
+          </a:p>
+        </p:txBody>
+      </p:sp>
+    </p:spTree>
+    <p:extLst>
+      <p:ext uri="{BB962C8B-B14F-4D97-AF65-F5344CB8AC3E}">
+        <p14:creationId xmlns:p14="http://schemas.microsoft.com/office/powerpoint/2010/main" val="2476911658"/>
+      </p:ext>
+    </p:extLst>
+  </p:cSld>
+  <p:clrMapOvr>
+    <a:masterClrMapping/>
+  </p:clrMapOvr>
+</p:sld>
+</file>
+
+<file path=ppt/slides/slide13.xml><?xml version="1.0" encoding="utf-8"?>
+<p:sld xmlns:a="http://schemas.openxmlformats.org/drawingml/2006/main" xmlns:r="http://schemas.openxmlformats.org/officeDocument/2006/relationships" xmlns:p="http://schemas.openxmlformats.org/presentationml/2006/main">
+  <p:cSld>
+    <p:spTree>
+      <p:nvGrpSpPr>
+        <p:cNvPr id="1" name=""/>
+        <p:cNvGrpSpPr/>
+        <p:nvPr/>
+      </p:nvGrpSpPr>
+      <p:grpSpPr>
+        <a:xfrm>
+          <a:off x="0" y="0"/>
+          <a:ext cx="0" cy="0"/>
+          <a:chOff x="0" y="0"/>
+          <a:chExt cx="0" cy="0"/>
+        </a:xfrm>
+      </p:grpSpPr>
+      <p:sp>
+        <p:nvSpPr>
+          <p:cNvPr id="2" name="Title 1">
+            <a:extLst>
+              <a:ext uri="{FF2B5EF4-FFF2-40B4-BE49-F238E27FC236}">
+                <a16:creationId xmlns:a16="http://schemas.microsoft.com/office/drawing/2014/main" id="{BF6655D0-3268-60F7-4A1D-B58F7A6E9A92}"/>
+              </a:ext>
+            </a:extLst>
+          </p:cNvPr>
+          <p:cNvSpPr>
+            <a:spLocks noGrp="1"/>
+          </p:cNvSpPr>
+          <p:nvPr>
+            <p:ph type="title"/>
+          </p:nvPr>
+        </p:nvSpPr>
+        <p:spPr/>
+        <p:txBody>
+          <a:bodyPr/>
+          <a:lstStyle/>
+          <a:p>
+            <a:r>
+              <a:rPr lang="en-US" dirty="0"/>
+              <a:t>Common Transformation – Feature Scaling</a:t>
+            </a:r>
+          </a:p>
+        </p:txBody>
+      </p:sp>
+      <p:sp>
+        <p:nvSpPr>
+          <p:cNvPr id="3" name="Content Placeholder 2">
+            <a:extLst>
+              <a:ext uri="{FF2B5EF4-FFF2-40B4-BE49-F238E27FC236}">
+                <a16:creationId xmlns:a16="http://schemas.microsoft.com/office/drawing/2014/main" id="{CC95EC4A-CA61-9AB7-E594-3E4A25F84EEE}"/>
+              </a:ext>
+            </a:extLst>
+          </p:cNvPr>
+          <p:cNvSpPr>
+            <a:spLocks noGrp="1"/>
+          </p:cNvSpPr>
+          <p:nvPr>
+            <p:ph idx="1"/>
+          </p:nvPr>
+        </p:nvSpPr>
+        <p:spPr>
+          <a:xfrm>
+            <a:off x="1451579" y="1853754"/>
+            <a:ext cx="9603275" cy="4304675"/>
+          </a:xfrm>
+        </p:spPr>
+        <p:txBody>
+          <a:bodyPr/>
+          <a:lstStyle/>
+          <a:p>
+            <a:r>
+              <a:rPr lang="en-US" dirty="0"/>
+              <a:t>There is one transformation that we almost always want to do – feature scaling. </a:t>
+            </a:r>
+          </a:p>
+          <a:p>
+            <a:r>
+              <a:rPr lang="en-US" dirty="0"/>
+              <a:t>Feature scaling takes our input features and puts them on the same scale, or range. </a:t>
+            </a:r>
+          </a:p>
+          <a:p>
+            <a:r>
+              <a:rPr lang="en-US" dirty="0"/>
+              <a:t>There are two common options:</a:t>
+            </a:r>
+          </a:p>
+          <a:p>
+            <a:pPr lvl="1"/>
+            <a:r>
+              <a:rPr lang="en-US" dirty="0"/>
+              <a:t>Standardization – each feature is set to a mean of 0, and std of 1. </a:t>
+            </a:r>
+          </a:p>
+          <a:p>
+            <a:pPr lvl="1"/>
+            <a:r>
+              <a:rPr lang="en-US" dirty="0"/>
+              <a:t>Normalization – each feature is shifted to be between 0 and 1. </a:t>
+            </a:r>
+          </a:p>
+        </p:txBody>
+      </p:sp>
+      <p:pic>
+        <p:nvPicPr>
+          <p:cNvPr id="5122" name="Picture 2" descr="Feature Scaling">
+            <a:extLst>
+              <a:ext uri="{FF2B5EF4-FFF2-40B4-BE49-F238E27FC236}">
+                <a16:creationId xmlns:a16="http://schemas.microsoft.com/office/drawing/2014/main" id="{FFBBBFED-E832-C1BF-7C68-6225118E6B25}"/>
+              </a:ext>
+            </a:extLst>
+          </p:cNvPr>
+          <p:cNvPicPr>
+            <a:picLocks noChangeAspect="1" noChangeArrowheads="1"/>
+          </p:cNvPicPr>
+          <p:nvPr/>
+        </p:nvPicPr>
+        <p:blipFill rotWithShape="1">
+          <a:blip r:embed="rId2">
+            <a:extLst>
+              <a:ext uri="{28A0092B-C50C-407E-A947-70E740481C1C}">
+                <a14:useLocalDpi xmlns:a14="http://schemas.microsoft.com/office/drawing/2010/main" val="0"/>
+              </a:ext>
+            </a:extLst>
+          </a:blip>
+          <a:srcRect b="20945"/>
+          <a:stretch/>
+        </p:blipFill>
+        <p:spPr bwMode="auto">
+          <a:xfrm>
+            <a:off x="2062216" y="4123381"/>
+            <a:ext cx="8382000" cy="2640529"/>
+          </a:xfrm>
+          <a:prstGeom prst="rect">
+            <a:avLst/>
+          </a:prstGeom>
+          <a:noFill/>
+          <a:extLst>
+            <a:ext uri="{909E8E84-426E-40DD-AFC4-6F175D3DCCD1}">
+              <a14:hiddenFill xmlns:a14="http://schemas.microsoft.com/office/drawing/2010/main">
+                <a:solidFill>
+                  <a:srgbClr val="FFFFFF"/>
+                </a:solidFill>
+              </a14:hiddenFill>
+            </a:ext>
+          </a:extLst>
+        </p:spPr>
+      </p:pic>
+    </p:spTree>
+    <p:extLst>
+      <p:ext uri="{BB962C8B-B14F-4D97-AF65-F5344CB8AC3E}">
+        <p14:creationId xmlns:p14="http://schemas.microsoft.com/office/powerpoint/2010/main" val="2227200560"/>
+      </p:ext>
+    </p:extLst>
+  </p:cSld>
+  <p:clrMapOvr>
+    <a:masterClrMapping/>
+  </p:clrMapOvr>
+</p:sld>
+</file>
+
+<file path=ppt/slides/slide14.xml><?xml version="1.0" encoding="utf-8"?>
+<p:sld xmlns:a="http://schemas.openxmlformats.org/drawingml/2006/main" xmlns:r="http://schemas.openxmlformats.org/officeDocument/2006/relationships" xmlns:p="http://schemas.openxmlformats.org/presentationml/2006/main">
+  <p:cSld>
+    <p:spTree>
+      <p:nvGrpSpPr>
+        <p:cNvPr id="1" name=""/>
+        <p:cNvGrpSpPr/>
+        <p:nvPr/>
+      </p:nvGrpSpPr>
+      <p:grpSpPr>
+        <a:xfrm>
+          <a:off x="0" y="0"/>
+          <a:ext cx="0" cy="0"/>
+          <a:chOff x="0" y="0"/>
+          <a:chExt cx="0" cy="0"/>
+        </a:xfrm>
+      </p:grpSpPr>
+      <p:sp>
+        <p:nvSpPr>
+          <p:cNvPr id="2" name="Title 1">
+            <a:extLst>
+              <a:ext uri="{FF2B5EF4-FFF2-40B4-BE49-F238E27FC236}">
+                <a16:creationId xmlns:a16="http://schemas.microsoft.com/office/drawing/2014/main" id="{6D584AEC-E468-9FF6-3AF1-04E12EE7714A}"/>
+              </a:ext>
+            </a:extLst>
+          </p:cNvPr>
+          <p:cNvSpPr>
+            <a:spLocks noGrp="1"/>
+          </p:cNvSpPr>
+          <p:nvPr>
+            <p:ph type="title"/>
+          </p:nvPr>
+        </p:nvSpPr>
+        <p:spPr/>
+        <p:txBody>
+          <a:bodyPr/>
+          <a:lstStyle/>
+          <a:p>
+            <a:r>
+              <a:rPr lang="en-US" dirty="0"/>
+              <a:t>Why Scale</a:t>
+            </a:r>
+          </a:p>
+        </p:txBody>
+      </p:sp>
+      <p:sp>
+        <p:nvSpPr>
+          <p:cNvPr id="3" name="Content Placeholder 2">
+            <a:extLst>
+              <a:ext uri="{FF2B5EF4-FFF2-40B4-BE49-F238E27FC236}">
+                <a16:creationId xmlns:a16="http://schemas.microsoft.com/office/drawing/2014/main" id="{701C2117-F369-3826-E7D2-08A712B88038}"/>
+              </a:ext>
+            </a:extLst>
+          </p:cNvPr>
+          <p:cNvSpPr>
+            <a:spLocks noGrp="1"/>
+          </p:cNvSpPr>
+          <p:nvPr>
+            <p:ph idx="1"/>
+          </p:nvPr>
+        </p:nvSpPr>
+        <p:spPr>
+          <a:xfrm>
+            <a:off x="1451579" y="1853754"/>
+            <a:ext cx="9603275" cy="4199727"/>
+          </a:xfrm>
+        </p:spPr>
+        <p:txBody>
+          <a:bodyPr/>
+          <a:lstStyle/>
+          <a:p>
+            <a:r>
+              <a:rPr lang="en-US" dirty="0"/>
+              <a:t>Again, why would we do this?</a:t>
+            </a:r>
+          </a:p>
+          <a:p>
+            <a:r>
+              <a:rPr lang="en-US" dirty="0"/>
+              <a:t>In short, if features have a very different range, one can “dominate” and make the model perform poorly. Suppose a bank is offering a loan, and a model predicts interest rate.</a:t>
+            </a:r>
+          </a:p>
+          <a:p>
+            <a:pPr lvl="1"/>
+            <a:r>
+              <a:rPr lang="en-US" dirty="0"/>
+              <a:t>Recall, a linear regression prediction is y = m1*x2 + m2*x2 +b.</a:t>
+            </a:r>
+          </a:p>
+          <a:p>
+            <a:pPr lvl="1"/>
+            <a:r>
+              <a:rPr lang="en-US" dirty="0"/>
+              <a:t>If X1 is ’net worth’ the range may be -$500k to $50 million or something. </a:t>
+            </a:r>
+          </a:p>
+          <a:p>
+            <a:pPr lvl="1"/>
+            <a:r>
+              <a:rPr lang="en-US" dirty="0"/>
+              <a:t>If X2 is ‘age’ that range is 20 to 100ish. </a:t>
+            </a:r>
+          </a:p>
+          <a:p>
+            <a:pPr lvl="1"/>
+            <a:r>
+              <a:rPr lang="en-US" dirty="0"/>
+              <a:t>The raw size of the income numbers “overwhelm” the other term. </a:t>
+            </a:r>
+          </a:p>
+          <a:p>
+            <a:r>
+              <a:rPr lang="en-US" dirty="0"/>
+              <a:t>Different types of models and data can be impacted different amounts by this. </a:t>
+            </a:r>
+          </a:p>
+          <a:p>
+            <a:pPr lvl="1"/>
+            <a:r>
+              <a:rPr lang="en-US" dirty="0"/>
+              <a:t>Simple linear regression, not much, other models, quite a bit. </a:t>
+            </a:r>
+          </a:p>
+        </p:txBody>
+      </p:sp>
+    </p:spTree>
+    <p:extLst>
+      <p:ext uri="{BB962C8B-B14F-4D97-AF65-F5344CB8AC3E}">
+        <p14:creationId xmlns:p14="http://schemas.microsoft.com/office/powerpoint/2010/main" val="3703420107"/>
+      </p:ext>
+    </p:extLst>
+  </p:cSld>
+  <p:clrMapOvr>
+    <a:masterClrMapping/>
+  </p:clrMapOvr>
+</p:sld>
+</file>
+
+<file path=ppt/slides/slide15.xml><?xml version="1.0" encoding="utf-8"?>
+<p:sld xmlns:a="http://schemas.openxmlformats.org/drawingml/2006/main" xmlns:r="http://schemas.openxmlformats.org/officeDocument/2006/relationships" xmlns:p="http://schemas.openxmlformats.org/presentationml/2006/main">
+  <p:cSld>
+    <p:spTree>
+      <p:nvGrpSpPr>
+        <p:cNvPr id="1" name=""/>
+        <p:cNvGrpSpPr/>
+        <p:nvPr/>
+      </p:nvGrpSpPr>
+      <p:grpSpPr>
+        <a:xfrm>
+          <a:off x="0" y="0"/>
+          <a:ext cx="0" cy="0"/>
+          <a:chOff x="0" y="0"/>
+          <a:chExt cx="0" cy="0"/>
+        </a:xfrm>
+      </p:grpSpPr>
+      <p:sp>
+        <p:nvSpPr>
+          <p:cNvPr id="2" name="Title 1">
+            <a:extLst>
+              <a:ext uri="{FF2B5EF4-FFF2-40B4-BE49-F238E27FC236}">
+                <a16:creationId xmlns:a16="http://schemas.microsoft.com/office/drawing/2014/main" id="{41FC2EF3-7A31-177A-7203-B82597E98D4D}"/>
+              </a:ext>
+            </a:extLst>
+          </p:cNvPr>
+          <p:cNvSpPr>
+            <a:spLocks noGrp="1"/>
+          </p:cNvSpPr>
+          <p:nvPr>
+            <p:ph type="title"/>
+          </p:nvPr>
+        </p:nvSpPr>
+        <p:spPr/>
+        <p:txBody>
+          <a:bodyPr/>
+          <a:lstStyle/>
+          <a:p>
+            <a:r>
+              <a:rPr lang="en-US" dirty="0"/>
+              <a:t>Results</a:t>
+            </a:r>
+          </a:p>
+        </p:txBody>
+      </p:sp>
+      <p:sp>
+        <p:nvSpPr>
+          <p:cNvPr id="3" name="Content Placeholder 2">
+            <a:extLst>
+              <a:ext uri="{FF2B5EF4-FFF2-40B4-BE49-F238E27FC236}">
+                <a16:creationId xmlns:a16="http://schemas.microsoft.com/office/drawing/2014/main" id="{29738747-B669-C04F-08EE-99A71AA3A351}"/>
+              </a:ext>
+            </a:extLst>
+          </p:cNvPr>
+          <p:cNvSpPr>
+            <a:spLocks noGrp="1"/>
+          </p:cNvSpPr>
+          <p:nvPr>
+            <p:ph idx="1"/>
+          </p:nvPr>
+        </p:nvSpPr>
+        <p:spPr>
+          <a:xfrm>
+            <a:off x="1451579" y="1853754"/>
+            <a:ext cx="9603275" cy="4199727"/>
+          </a:xfrm>
+        </p:spPr>
+        <p:txBody>
+          <a:bodyPr/>
+          <a:lstStyle/>
+          <a:p>
+            <a:r>
+              <a:rPr lang="en-US" dirty="0"/>
+              <a:t>The results of data scaling is that all of the features are on the same scale, either:</a:t>
+            </a:r>
+          </a:p>
+          <a:p>
+            <a:pPr lvl="1"/>
+            <a:r>
+              <a:rPr lang="en-US" dirty="0"/>
+              <a:t>Centered at 0 with standardization. Or</a:t>
+            </a:r>
+          </a:p>
+          <a:p>
+            <a:pPr lvl="1"/>
+            <a:r>
+              <a:rPr lang="en-US" dirty="0"/>
+              <a:t>Boxed between 0 and 1 with normalization. </a:t>
+            </a:r>
+          </a:p>
+          <a:p>
+            <a:r>
+              <a:rPr lang="en-US" dirty="0"/>
+              <a:t>This means that the actual x values going into the </a:t>
+            </a:r>
+            <a:r>
+              <a:rPr lang="en-US" dirty="0" err="1"/>
+              <a:t>y-mx+b</a:t>
+            </a:r>
+            <a:r>
+              <a:rPr lang="en-US" dirty="0"/>
+              <a:t> equation are on the same scale, so if one was really large, that impact is negated. </a:t>
+            </a:r>
+          </a:p>
+          <a:p>
+            <a:r>
+              <a:rPr lang="en-US" dirty="0"/>
+              <a:t>Models will generally perform better:</a:t>
+            </a:r>
+          </a:p>
+          <a:p>
+            <a:pPr lvl="1"/>
+            <a:r>
+              <a:rPr lang="en-US" dirty="0"/>
+              <a:t>Accuracy can and often does improve. </a:t>
+            </a:r>
+          </a:p>
+          <a:p>
+            <a:pPr lvl="1"/>
+            <a:r>
+              <a:rPr lang="en-US" dirty="0"/>
+              <a:t>The speed of a model finding a solution gets far better (important later on). </a:t>
+            </a:r>
+          </a:p>
+          <a:p>
+            <a:r>
+              <a:rPr lang="en-US" dirty="0"/>
+              <a:t>We almost always want to do some scaling. </a:t>
+            </a:r>
+          </a:p>
+        </p:txBody>
+      </p:sp>
+      <p:pic>
+        <p:nvPicPr>
+          <p:cNvPr id="7170" name="Picture 2" descr="Standardization VS Normalization">
+            <a:extLst>
+              <a:ext uri="{FF2B5EF4-FFF2-40B4-BE49-F238E27FC236}">
+                <a16:creationId xmlns:a16="http://schemas.microsoft.com/office/drawing/2014/main" id="{5658FD3F-4587-871C-9027-8A6264316F8F}"/>
+              </a:ext>
+            </a:extLst>
+          </p:cNvPr>
+          <p:cNvPicPr>
+            <a:picLocks noChangeAspect="1" noChangeArrowheads="1"/>
+          </p:cNvPicPr>
+          <p:nvPr/>
+        </p:nvPicPr>
+        <p:blipFill rotWithShape="1">
+          <a:blip r:embed="rId2">
+            <a:extLst>
+              <a:ext uri="{28A0092B-C50C-407E-A947-70E740481C1C}">
+                <a14:useLocalDpi xmlns:a14="http://schemas.microsoft.com/office/drawing/2010/main" val="0"/>
+              </a:ext>
+            </a:extLst>
+          </a:blip>
+          <a:srcRect l="5143" t="10080" b="9310"/>
+          <a:stretch/>
+        </p:blipFill>
+        <p:spPr bwMode="auto">
+          <a:xfrm>
+            <a:off x="8736226" y="-97988"/>
+            <a:ext cx="3369276" cy="1951742"/>
+          </a:xfrm>
+          <a:prstGeom prst="rect">
+            <a:avLst/>
+          </a:prstGeom>
+          <a:noFill/>
+          <a:extLst>
+            <a:ext uri="{909E8E84-426E-40DD-AFC4-6F175D3DCCD1}">
+              <a14:hiddenFill xmlns:a14="http://schemas.microsoft.com/office/drawing/2010/main">
+                <a:solidFill>
+                  <a:srgbClr val="FFFFFF"/>
+                </a:solidFill>
+              </a14:hiddenFill>
+            </a:ext>
+          </a:extLst>
+        </p:spPr>
+      </p:pic>
+    </p:spTree>
+    <p:extLst>
+      <p:ext uri="{BB962C8B-B14F-4D97-AF65-F5344CB8AC3E}">
+        <p14:creationId xmlns:p14="http://schemas.microsoft.com/office/powerpoint/2010/main" val="1069682001"/>
       </p:ext>
     </p:extLst>
   </p:cSld>
@@ -4840,102 +4741,253 @@
       </p:grpSpPr>
       <p:sp>
         <p:nvSpPr>
-          <p:cNvPr id="2" name="Title 1">
+          <p:cNvPr id="6151" name="Rectangle 6150">
             <a:extLst>
               <a:ext uri="{FF2B5EF4-FFF2-40B4-BE49-F238E27FC236}">
-                <a16:creationId xmlns:a16="http://schemas.microsoft.com/office/drawing/2014/main" id="{108CB092-4610-992B-5FD3-AD0A29811D7B}"/>
+                <a16:creationId xmlns:a16="http://schemas.microsoft.com/office/drawing/2014/main" id="{CDDE5CDF-1512-4CDA-B956-23D223F8DE44}"/>
+              </a:ext>
+              <a:ext uri="{C183D7F6-B498-43B3-948B-1728B52AA6E4}">
+                <adec:decorative xmlns:adec="http://schemas.microsoft.com/office/drawing/2017/decorative" val="1"/>
               </a:ext>
             </a:extLst>
           </p:cNvPr>
           <p:cNvSpPr>
-            <a:spLocks noGrp="1"/>
-          </p:cNvSpPr>
-          <p:nvPr>
-            <p:ph type="title"/>
+            <a:spLocks noGrp="1" noRot="1" noChangeAspect="1" noMove="1" noResize="1" noEditPoints="1" noAdjustHandles="1" noChangeArrowheads="1" noChangeShapeType="1" noTextEdit="1"/>
+          </p:cNvSpPr>
+          <p:nvPr>
+            <p:extLst>
+              <p:ext uri="{386F3935-93C4-4BCD-93E2-E3B085C9AB24}">
+                <p16:designElem xmlns:p16="http://schemas.microsoft.com/office/powerpoint/2015/main" val="1"/>
+              </p:ext>
+            </p:extLst>
           </p:nvPr>
         </p:nvSpPr>
         <p:spPr>
           <a:xfrm>
-            <a:off x="1451579" y="804519"/>
-            <a:ext cx="9603275" cy="1049235"/>
-          </a:xfrm>
-        </p:spPr>
-        <p:txBody>
-          <a:bodyPr>
-            <a:normAutofit/>
-          </a:bodyPr>
-          <a:lstStyle/>
-          <a:p>
-            <a:r>
-              <a:rPr lang="en-US" dirty="0"/>
-              <a:t>Data Example</a:t>
-            </a:r>
-          </a:p>
-        </p:txBody>
-      </p:sp>
-      <p:sp>
-        <p:nvSpPr>
-          <p:cNvPr id="3" name="Content Placeholder 2">
+            <a:off x="0" y="2019476"/>
+            <a:ext cx="12192000" cy="4105941"/>
+          </a:xfrm>
+          <a:prstGeom prst="rect">
+            <a:avLst/>
+          </a:prstGeom>
+          <a:gradFill flip="none" rotWithShape="1">
+            <a:gsLst>
+              <a:gs pos="0">
+                <a:schemeClr val="bg2">
+                  <a:alpha val="0"/>
+                </a:schemeClr>
+              </a:gs>
+              <a:gs pos="100000">
+                <a:schemeClr val="bg2"/>
+              </a:gs>
+            </a:gsLst>
+            <a:lin ang="5400000" scaled="0"/>
+            <a:tileRect/>
+          </a:gradFill>
+          <a:ln>
+            <a:noFill/>
+          </a:ln>
+        </p:spPr>
+        <p:style>
+          <a:lnRef idx="2">
+            <a:schemeClr val="accent1">
+              <a:shade val="50000"/>
+            </a:schemeClr>
+          </a:lnRef>
+          <a:fillRef idx="1">
+            <a:schemeClr val="accent1"/>
+          </a:fillRef>
+          <a:effectRef idx="0">
+            <a:schemeClr val="accent1"/>
+          </a:effectRef>
+          <a:fontRef idx="minor">
+            <a:schemeClr val="lt1"/>
+          </a:fontRef>
+        </p:style>
+        <p:txBody>
+          <a:bodyPr/>
+          <a:lstStyle/>
+          <a:p>
+            <a:endParaRPr lang="en-US"/>
+          </a:p>
+        </p:txBody>
+      </p:sp>
+      <p:pic>
+        <p:nvPicPr>
+          <p:cNvPr id="6153" name="Picture 6152">
             <a:extLst>
               <a:ext uri="{FF2B5EF4-FFF2-40B4-BE49-F238E27FC236}">
-                <a16:creationId xmlns:a16="http://schemas.microsoft.com/office/drawing/2014/main" id="{F32A43F0-32CA-0B44-6052-91F2535C2298}"/>
+                <a16:creationId xmlns:a16="http://schemas.microsoft.com/office/drawing/2014/main" id="{B029D7D8-5A6B-4C76-94C8-15798C6C5ADB}"/>
               </a:ext>
-            </a:extLst>
-          </p:cNvPr>
-          <p:cNvSpPr>
-            <a:spLocks noGrp="1"/>
-          </p:cNvSpPr>
-          <p:nvPr>
-            <p:ph idx="1"/>
-          </p:nvPr>
-        </p:nvSpPr>
-        <p:spPr>
-          <a:xfrm>
-            <a:off x="1" y="2015734"/>
-            <a:ext cx="5004485" cy="4037747"/>
-          </a:xfrm>
-        </p:spPr>
-        <p:txBody>
-          <a:bodyPr>
-            <a:normAutofit/>
-          </a:bodyPr>
-          <a:lstStyle/>
-          <a:p>
-            <a:r>
-              <a:rPr lang="en-US" dirty="0"/>
-              <a:t>The two features pictured here are obviously different in their original range. </a:t>
-            </a:r>
-          </a:p>
-          <a:p>
-            <a:r>
-              <a:rPr lang="en-US" dirty="0"/>
-              <a:t>After standardization, they are similar. </a:t>
-            </a:r>
-          </a:p>
-          <a:p>
-            <a:r>
-              <a:rPr lang="en-US" dirty="0"/>
-              <a:t>This lets our model consider the impact of all features in a comparable way. </a:t>
-            </a:r>
-          </a:p>
-        </p:txBody>
-      </p:sp>
-      <p:pic>
-        <p:nvPicPr>
-          <p:cNvPr id="8194" name="Picture 2" descr="Feature Scaling: Normalization and Standardization - Quinn-Yann - 博客园">
-            <a:extLst>
-              <a:ext uri="{FF2B5EF4-FFF2-40B4-BE49-F238E27FC236}">
-                <a16:creationId xmlns:a16="http://schemas.microsoft.com/office/drawing/2014/main" id="{E36C7107-9C72-D987-5CCD-B516ED9C784E}"/>
+              <a:ext uri="{C183D7F6-B498-43B3-948B-1728B52AA6E4}">
+                <adec:decorative xmlns:adec="http://schemas.microsoft.com/office/drawing/2017/decorative" val="1"/>
               </a:ext>
             </a:extLst>
           </p:cNvPr>
           <p:cNvPicPr>
-            <a:picLocks noChangeAspect="1" noChangeArrowheads="1"/>
+            <a:picLocks noGrp="1" noRot="1" noChangeAspect="1" noMove="1" noResize="1" noEditPoints="1" noAdjustHandles="1" noChangeArrowheads="1" noChangeShapeType="1" noCrop="1"/>
           </p:cNvPicPr>
-          <p:nvPr/>
+          <p:nvPr>
+            <p:extLst>
+              <p:ext uri="{386F3935-93C4-4BCD-93E2-E3B085C9AB24}">
+                <p16:designElem xmlns:p16="http://schemas.microsoft.com/office/powerpoint/2015/main" val="1"/>
+              </p:ext>
+            </p:extLst>
+          </p:nvPr>
+        </p:nvPicPr>
+        <p:blipFill rotWithShape="1">
+          <a:blip r:embed="rId2">
+            <a:extLst>
+              <a:ext uri="{28A0092B-C50C-407E-A947-70E740481C1C}">
+                <a14:useLocalDpi xmlns:a14="http://schemas.microsoft.com/office/drawing/2010/main" val="0"/>
+              </a:ext>
+            </a:extLst>
+          </a:blip>
+          <a:srcRect t="1538" b="-1538"/>
+          <a:stretch/>
+        </p:blipFill>
+        <p:spPr bwMode="black">
+          <a:xfrm>
+            <a:off x="0" y="6126480"/>
+            <a:ext cx="12192000" cy="742950"/>
+          </a:xfrm>
+          <a:prstGeom prst="rect">
+            <a:avLst/>
+          </a:prstGeom>
+        </p:spPr>
+      </p:pic>
+      <p:cxnSp>
+        <p:nvCxnSpPr>
+          <p:cNvPr id="6155" name="Straight Connector 6154">
+            <a:extLst>
+              <a:ext uri="{FF2B5EF4-FFF2-40B4-BE49-F238E27FC236}">
+                <a16:creationId xmlns:a16="http://schemas.microsoft.com/office/drawing/2014/main" id="{A5C9319C-E20D-4884-952F-60B6A58C3E34}"/>
+              </a:ext>
+              <a:ext uri="{C183D7F6-B498-43B3-948B-1728B52AA6E4}">
+                <adec:decorative xmlns:adec="http://schemas.microsoft.com/office/drawing/2017/decorative" val="1"/>
+              </a:ext>
+            </a:extLst>
+          </p:cNvPr>
+          <p:cNvCxnSpPr>
+            <a:cxnSpLocks noGrp="1" noRot="1" noChangeAspect="1" noMove="1" noResize="1" noEditPoints="1" noAdjustHandles="1" noChangeArrowheads="1" noChangeShapeType="1"/>
+          </p:cNvCxnSpPr>
+          <p:nvPr>
+            <p:extLst>
+              <p:ext uri="{386F3935-93C4-4BCD-93E2-E3B085C9AB24}">
+                <p16:designElem xmlns:p16="http://schemas.microsoft.com/office/powerpoint/2015/main" val="1"/>
+              </p:ext>
+            </p:extLst>
+          </p:nvPr>
+        </p:nvCxnSpPr>
+        <p:spPr>
+          <a:xfrm>
+            <a:off x="0" y="6128413"/>
+            <a:ext cx="12192000" cy="0"/>
+          </a:xfrm>
+          <a:prstGeom prst="line">
+            <a:avLst/>
+          </a:prstGeom>
+          <a:ln w="12700">
+            <a:solidFill>
+              <a:srgbClr val="000001">
+                <a:alpha val="20000"/>
+              </a:srgbClr>
+            </a:solidFill>
+          </a:ln>
+        </p:spPr>
+        <p:style>
+          <a:lnRef idx="1">
+            <a:schemeClr val="accent1"/>
+          </a:lnRef>
+          <a:fillRef idx="0">
+            <a:schemeClr val="accent1"/>
+          </a:fillRef>
+          <a:effectRef idx="0">
+            <a:schemeClr val="accent1"/>
+          </a:effectRef>
+          <a:fontRef idx="minor">
+            <a:schemeClr val="tx1"/>
+          </a:fontRef>
+        </p:style>
+      </p:cxnSp>
+      <p:sp useBgFill="1">
+        <p:nvSpPr>
+          <p:cNvPr id="6157" name="Rectangle 6156">
+            <a:extLst>
+              <a:ext uri="{FF2B5EF4-FFF2-40B4-BE49-F238E27FC236}">
+                <a16:creationId xmlns:a16="http://schemas.microsoft.com/office/drawing/2014/main" id="{62C9703D-C8F9-44AD-A7C0-C2F3871F8C1B}"/>
+              </a:ext>
+              <a:ext uri="{C183D7F6-B498-43B3-948B-1728B52AA6E4}">
+                <adec:decorative xmlns:adec="http://schemas.microsoft.com/office/drawing/2017/decorative" val="1"/>
+              </a:ext>
+            </a:extLst>
+          </p:cNvPr>
+          <p:cNvSpPr>
+            <a:spLocks noGrp="1" noRot="1" noChangeAspect="1" noMove="1" noResize="1" noEditPoints="1" noAdjustHandles="1" noChangeArrowheads="1" noChangeShapeType="1" noTextEdit="1"/>
+          </p:cNvSpPr>
+          <p:nvPr>
+            <p:extLst>
+              <p:ext uri="{386F3935-93C4-4BCD-93E2-E3B085C9AB24}">
+                <p16:designElem xmlns:p16="http://schemas.microsoft.com/office/powerpoint/2015/main" val="1"/>
+              </p:ext>
+            </p:extLst>
+          </p:nvPr>
+        </p:nvSpPr>
+        <p:spPr>
+          <a:xfrm>
+            <a:off x="0" y="0"/>
+            <a:ext cx="12192000" cy="6160168"/>
+          </a:xfrm>
+          <a:prstGeom prst="rect">
+            <a:avLst/>
+          </a:prstGeom>
+          <a:ln>
+            <a:noFill/>
+          </a:ln>
+        </p:spPr>
+        <p:style>
+          <a:lnRef idx="2">
+            <a:schemeClr val="accent1">
+              <a:shade val="50000"/>
+            </a:schemeClr>
+          </a:lnRef>
+          <a:fillRef idx="1">
+            <a:schemeClr val="accent1"/>
+          </a:fillRef>
+          <a:effectRef idx="0">
+            <a:schemeClr val="accent1"/>
+          </a:effectRef>
+          <a:fontRef idx="minor">
+            <a:schemeClr val="lt1"/>
+          </a:fontRef>
+        </p:style>
+        <p:txBody>
+          <a:bodyPr rtlCol="0" anchor="ctr"/>
+          <a:lstStyle/>
+          <a:p>
+            <a:pPr algn="ctr"/>
+            <a:endParaRPr lang="en-US"/>
+          </a:p>
+        </p:txBody>
+      </p:sp>
+      <p:pic>
+        <p:nvPicPr>
+          <p:cNvPr id="6146" name="Picture 2" descr="What Do Normalization and Standardization Mean? When to Normalize Data and  When to Standardize Data? | by Akalbir Singh Chadha | Becoming Human:  Artificial Intelligence Magazine">
+            <a:extLst>
+              <a:ext uri="{FF2B5EF4-FFF2-40B4-BE49-F238E27FC236}">
+                <a16:creationId xmlns:a16="http://schemas.microsoft.com/office/drawing/2014/main" id="{19251593-A7AD-6B1B-7DBD-013DB80E28D5}"/>
+              </a:ext>
+            </a:extLst>
+          </p:cNvPr>
+          <p:cNvPicPr>
+            <a:picLocks noGrp="1" noChangeAspect="1" noChangeArrowheads="1"/>
+          </p:cNvPicPr>
+          <p:nvPr>
+            <p:ph idx="1"/>
+          </p:nvPr>
         </p:nvPicPr>
         <p:blipFill>
-          <a:blip r:embed="rId2">
+          <a:blip r:embed="rId3">
             <a:extLst>
               <a:ext uri="{28A0092B-C50C-407E-A947-70E740481C1C}">
                 <a14:useLocalDpi xmlns:a14="http://schemas.microsoft.com/office/drawing/2010/main" val="0"/>
@@ -4948,8 +5000,8 @@
         </p:blipFill>
         <p:spPr bwMode="auto">
           <a:xfrm>
-            <a:off x="5004486" y="24474"/>
-            <a:ext cx="7187513" cy="6813598"/>
+            <a:off x="795289" y="643467"/>
+            <a:ext cx="10601421" cy="4873234"/>
           </a:xfrm>
           <a:prstGeom prst="rect">
             <a:avLst/>
@@ -4969,7 +5021,7 @@
     </p:spTree>
     <p:extLst>
       <p:ext uri="{BB962C8B-B14F-4D97-AF65-F5344CB8AC3E}">
-        <p14:creationId xmlns:p14="http://schemas.microsoft.com/office/powerpoint/2010/main" val="2933853293"/>
+        <p14:creationId xmlns:p14="http://schemas.microsoft.com/office/powerpoint/2010/main" val="283574080"/>
       </p:ext>
     </p:extLst>
   </p:cSld>
@@ -4980,842 +5032,6 @@
 </file>
 
 <file path=ppt/slides/slide17.xml><?xml version="1.0" encoding="utf-8"?>
-<p:sld xmlns:a="http://schemas.openxmlformats.org/drawingml/2006/main" xmlns:r="http://schemas.openxmlformats.org/officeDocument/2006/relationships" xmlns:p="http://schemas.openxmlformats.org/presentationml/2006/main">
-  <p:cSld>
-    <p:spTree>
-      <p:nvGrpSpPr>
-        <p:cNvPr id="1" name=""/>
-        <p:cNvGrpSpPr/>
-        <p:nvPr/>
-      </p:nvGrpSpPr>
-      <p:grpSpPr>
-        <a:xfrm>
-          <a:off x="0" y="0"/>
-          <a:ext cx="0" cy="0"/>
-          <a:chOff x="0" y="0"/>
-          <a:chExt cx="0" cy="0"/>
-        </a:xfrm>
-      </p:grpSpPr>
-      <p:sp>
-        <p:nvSpPr>
-          <p:cNvPr id="2" name="Title 1">
-            <a:extLst>
-              <a:ext uri="{FF2B5EF4-FFF2-40B4-BE49-F238E27FC236}">
-                <a16:creationId xmlns:a16="http://schemas.microsoft.com/office/drawing/2014/main" id="{FEDB1C9E-0D09-94C2-9A17-208F0C5629D2}"/>
-              </a:ext>
-            </a:extLst>
-          </p:cNvPr>
-          <p:cNvSpPr>
-            <a:spLocks noGrp="1"/>
-          </p:cNvSpPr>
-          <p:nvPr>
-            <p:ph type="title"/>
-          </p:nvPr>
-        </p:nvSpPr>
-        <p:spPr/>
-        <p:txBody>
-          <a:bodyPr/>
-          <a:lstStyle/>
-          <a:p>
-            <a:r>
-              <a:rPr lang="en-US" dirty="0"/>
-              <a:t>Comparison</a:t>
-            </a:r>
-          </a:p>
-        </p:txBody>
-      </p:sp>
-      <p:sp>
-        <p:nvSpPr>
-          <p:cNvPr id="3" name="Content Placeholder 2">
-            <a:extLst>
-              <a:ext uri="{FF2B5EF4-FFF2-40B4-BE49-F238E27FC236}">
-                <a16:creationId xmlns:a16="http://schemas.microsoft.com/office/drawing/2014/main" id="{9D9B1EB8-F636-63E3-E8A3-27009D297484}"/>
-              </a:ext>
-            </a:extLst>
-          </p:cNvPr>
-          <p:cNvSpPr>
-            <a:spLocks noGrp="1"/>
-          </p:cNvSpPr>
-          <p:nvPr>
-            <p:ph idx="1"/>
-          </p:nvPr>
-        </p:nvSpPr>
-        <p:spPr/>
-        <p:txBody>
-          <a:bodyPr/>
-          <a:lstStyle/>
-          <a:p>
-            <a:endParaRPr lang="en-US"/>
-          </a:p>
-        </p:txBody>
-      </p:sp>
-      <p:pic>
-        <p:nvPicPr>
-          <p:cNvPr id="9218" name="Picture 2" descr="Feature Scaling: When Should You Use Standardization and Normalization | by  Zipporah Luna | Python in Plain English">
-            <a:extLst>
-              <a:ext uri="{FF2B5EF4-FFF2-40B4-BE49-F238E27FC236}">
-                <a16:creationId xmlns:a16="http://schemas.microsoft.com/office/drawing/2014/main" id="{5D5B796C-BF68-DCFE-3482-E16E8B5EA1D0}"/>
-              </a:ext>
-            </a:extLst>
-          </p:cNvPr>
-          <p:cNvPicPr>
-            <a:picLocks noChangeAspect="1" noChangeArrowheads="1"/>
-          </p:cNvPicPr>
-          <p:nvPr/>
-        </p:nvPicPr>
-        <p:blipFill>
-          <a:blip r:embed="rId2">
-            <a:extLst>
-              <a:ext uri="{28A0092B-C50C-407E-A947-70E740481C1C}">
-                <a14:useLocalDpi xmlns:a14="http://schemas.microsoft.com/office/drawing/2010/main" val="0"/>
-              </a:ext>
-            </a:extLst>
-          </a:blip>
-          <a:srcRect/>
-          <a:stretch>
-            <a:fillRect/>
-          </a:stretch>
-        </p:blipFill>
-        <p:spPr bwMode="auto">
-          <a:xfrm>
-            <a:off x="0" y="1308100"/>
-            <a:ext cx="12192000" cy="4241800"/>
-          </a:xfrm>
-          <a:prstGeom prst="rect">
-            <a:avLst/>
-          </a:prstGeom>
-          <a:noFill/>
-          <a:extLst>
-            <a:ext uri="{909E8E84-426E-40DD-AFC4-6F175D3DCCD1}">
-              <a14:hiddenFill xmlns:a14="http://schemas.microsoft.com/office/drawing/2010/main">
-                <a:solidFill>
-                  <a:srgbClr val="FFFFFF"/>
-                </a:solidFill>
-              </a14:hiddenFill>
-            </a:ext>
-          </a:extLst>
-        </p:spPr>
-      </p:pic>
-    </p:spTree>
-    <p:extLst>
-      <p:ext uri="{BB962C8B-B14F-4D97-AF65-F5344CB8AC3E}">
-        <p14:creationId xmlns:p14="http://schemas.microsoft.com/office/powerpoint/2010/main" val="252579082"/>
-      </p:ext>
-    </p:extLst>
-  </p:cSld>
-  <p:clrMapOvr>
-    <a:masterClrMapping/>
-  </p:clrMapOvr>
-</p:sld>
-</file>
-
-<file path=ppt/slides/slide18.xml><?xml version="1.0" encoding="utf-8"?>
-<p:sld xmlns:a="http://schemas.openxmlformats.org/drawingml/2006/main" xmlns:r="http://schemas.openxmlformats.org/officeDocument/2006/relationships" xmlns:p="http://schemas.openxmlformats.org/presentationml/2006/main">
-  <p:cSld>
-    <p:spTree>
-      <p:nvGrpSpPr>
-        <p:cNvPr id="1" name=""/>
-        <p:cNvGrpSpPr/>
-        <p:nvPr/>
-      </p:nvGrpSpPr>
-      <p:grpSpPr>
-        <a:xfrm>
-          <a:off x="0" y="0"/>
-          <a:ext cx="0" cy="0"/>
-          <a:chOff x="0" y="0"/>
-          <a:chExt cx="0" cy="0"/>
-        </a:xfrm>
-      </p:grpSpPr>
-      <p:sp>
-        <p:nvSpPr>
-          <p:cNvPr id="2" name="Title 1">
-            <a:extLst>
-              <a:ext uri="{FF2B5EF4-FFF2-40B4-BE49-F238E27FC236}">
-                <a16:creationId xmlns:a16="http://schemas.microsoft.com/office/drawing/2014/main" id="{F7718EE9-19F5-8128-78A9-71A6F76E8B60}"/>
-              </a:ext>
-            </a:extLst>
-          </p:cNvPr>
-          <p:cNvSpPr>
-            <a:spLocks noGrp="1"/>
-          </p:cNvSpPr>
-          <p:nvPr>
-            <p:ph type="title"/>
-          </p:nvPr>
-        </p:nvSpPr>
-        <p:spPr/>
-        <p:txBody>
-          <a:bodyPr/>
-          <a:lstStyle/>
-          <a:p>
-            <a:r>
-              <a:rPr lang="en-US" dirty="0"/>
-              <a:t>Feature Scaling Usage</a:t>
-            </a:r>
-          </a:p>
-        </p:txBody>
-      </p:sp>
-      <p:sp>
-        <p:nvSpPr>
-          <p:cNvPr id="3" name="Content Placeholder 2">
-            <a:extLst>
-              <a:ext uri="{FF2B5EF4-FFF2-40B4-BE49-F238E27FC236}">
-                <a16:creationId xmlns:a16="http://schemas.microsoft.com/office/drawing/2014/main" id="{C89836CF-77E8-AD9E-561E-9174184C4048}"/>
-              </a:ext>
-            </a:extLst>
-          </p:cNvPr>
-          <p:cNvSpPr>
-            <a:spLocks noGrp="1"/>
-          </p:cNvSpPr>
-          <p:nvPr>
-            <p:ph idx="1"/>
-          </p:nvPr>
-        </p:nvSpPr>
-        <p:spPr>
-          <a:xfrm>
-            <a:off x="1451579" y="1853754"/>
-            <a:ext cx="9603275" cy="4199727"/>
-          </a:xfrm>
-        </p:spPr>
-        <p:txBody>
-          <a:bodyPr/>
-          <a:lstStyle/>
-          <a:p>
-            <a:r>
-              <a:rPr lang="en-US" dirty="0"/>
-              <a:t>We generally use feature scaling all the time, there aren’t really any downsides. </a:t>
-            </a:r>
-          </a:p>
-          <a:p>
-            <a:r>
-              <a:rPr lang="en-US" dirty="0"/>
-              <a:t>Which one do we use? </a:t>
-            </a:r>
-          </a:p>
-          <a:p>
-            <a:pPr lvl="1"/>
-            <a:r>
-              <a:rPr lang="en-US" dirty="0"/>
-              <a:t>There is no “true” answer, we test and observe the performance. </a:t>
-            </a:r>
-          </a:p>
-          <a:p>
-            <a:pPr lvl="1"/>
-            <a:r>
-              <a:rPr lang="en-US" dirty="0"/>
-              <a:t>If the data is roughly normal to start with, standardization will likely be better. </a:t>
-            </a:r>
-          </a:p>
-          <a:p>
-            <a:r>
-              <a:rPr lang="en-US" dirty="0"/>
-              <a:t>The steps in code are simple. </a:t>
-            </a:r>
-          </a:p>
-          <a:p>
-            <a:pPr lvl="1"/>
-            <a:r>
-              <a:rPr lang="en-US" dirty="0"/>
-              <a:t>Make a scaler object, using the </a:t>
-            </a:r>
-            <a:r>
-              <a:rPr lang="en-US" dirty="0" err="1"/>
-              <a:t>sklearn</a:t>
-            </a:r>
-            <a:r>
-              <a:rPr lang="en-US" dirty="0"/>
-              <a:t> module. </a:t>
-            </a:r>
-          </a:p>
-          <a:p>
-            <a:pPr lvl="1"/>
-            <a:r>
-              <a:rPr lang="en-US" dirty="0"/>
-              <a:t>Fit the scaler to the training X data, so it learns what the new scale should be. </a:t>
-            </a:r>
-          </a:p>
-          <a:p>
-            <a:pPr lvl="1"/>
-            <a:r>
-              <a:rPr lang="en-US" dirty="0"/>
-              <a:t>Transform the test data, so it is on the correct scale. </a:t>
-            </a:r>
-          </a:p>
-          <a:p>
-            <a:r>
-              <a:rPr lang="en-US" dirty="0"/>
-              <a:t>Once this is done, nothing else changes. (Note: no need to scale y, generally). </a:t>
-            </a:r>
-          </a:p>
-        </p:txBody>
-      </p:sp>
-    </p:spTree>
-    <p:extLst>
-      <p:ext uri="{BB962C8B-B14F-4D97-AF65-F5344CB8AC3E}">
-        <p14:creationId xmlns:p14="http://schemas.microsoft.com/office/powerpoint/2010/main" val="2215679788"/>
-      </p:ext>
-    </p:extLst>
-  </p:cSld>
-  <p:clrMapOvr>
-    <a:masterClrMapping/>
-  </p:clrMapOvr>
-</p:sld>
-</file>
-
-<file path=ppt/slides/slide19.xml><?xml version="1.0" encoding="utf-8"?>
-<p:sld xmlns:a="http://schemas.openxmlformats.org/drawingml/2006/main" xmlns:r="http://schemas.openxmlformats.org/officeDocument/2006/relationships" xmlns:p="http://schemas.openxmlformats.org/presentationml/2006/main">
-  <p:cSld>
-    <p:spTree>
-      <p:nvGrpSpPr>
-        <p:cNvPr id="1" name=""/>
-        <p:cNvGrpSpPr/>
-        <p:nvPr/>
-      </p:nvGrpSpPr>
-      <p:grpSpPr>
-        <a:xfrm>
-          <a:off x="0" y="0"/>
-          <a:ext cx="0" cy="0"/>
-          <a:chOff x="0" y="0"/>
-          <a:chExt cx="0" cy="0"/>
-        </a:xfrm>
-      </p:grpSpPr>
-      <p:sp>
-        <p:nvSpPr>
-          <p:cNvPr id="2" name="Title 1">
-            <a:extLst>
-              <a:ext uri="{FF2B5EF4-FFF2-40B4-BE49-F238E27FC236}">
-                <a16:creationId xmlns:a16="http://schemas.microsoft.com/office/drawing/2014/main" id="{F0501107-2845-A07B-4170-6083065D6DAF}"/>
-              </a:ext>
-            </a:extLst>
-          </p:cNvPr>
-          <p:cNvSpPr>
-            <a:spLocks noGrp="1"/>
-          </p:cNvSpPr>
-          <p:nvPr>
-            <p:ph type="title"/>
-          </p:nvPr>
-        </p:nvSpPr>
-        <p:spPr/>
-        <p:txBody>
-          <a:bodyPr/>
-          <a:lstStyle/>
-          <a:p>
-            <a:r>
-              <a:rPr lang="en-US" dirty="0"/>
-              <a:t>Transforming for Fun and Profit</a:t>
-            </a:r>
-          </a:p>
-        </p:txBody>
-      </p:sp>
-      <p:sp>
-        <p:nvSpPr>
-          <p:cNvPr id="3" name="Content Placeholder 2">
-            <a:extLst>
-              <a:ext uri="{FF2B5EF4-FFF2-40B4-BE49-F238E27FC236}">
-                <a16:creationId xmlns:a16="http://schemas.microsoft.com/office/drawing/2014/main" id="{5C1D74D5-4D17-0A86-63A5-1962B71CE1DD}"/>
-              </a:ext>
-            </a:extLst>
-          </p:cNvPr>
-          <p:cNvSpPr>
-            <a:spLocks noGrp="1"/>
-          </p:cNvSpPr>
-          <p:nvPr>
-            <p:ph idx="1"/>
-          </p:nvPr>
-        </p:nvSpPr>
-        <p:spPr>
-          <a:xfrm>
-            <a:off x="1451579" y="1853754"/>
-            <a:ext cx="9603275" cy="4199727"/>
-          </a:xfrm>
-        </p:spPr>
-        <p:txBody>
-          <a:bodyPr/>
-          <a:lstStyle/>
-          <a:p>
-            <a:r>
-              <a:rPr lang="en-US" dirty="0"/>
-              <a:t>Making transformations to the data we use for models is common. </a:t>
-            </a:r>
-          </a:p>
-          <a:p>
-            <a:r>
-              <a:rPr lang="en-US" dirty="0"/>
-              <a:t>We can learn from our data exploration, stats knowledge, and domain knowledge. </a:t>
-            </a:r>
-          </a:p>
-          <a:p>
-            <a:pPr lvl="1"/>
-            <a:r>
-              <a:rPr lang="en-US" dirty="0"/>
-              <a:t>Does it look like any ad-hoc transformations may be useful. </a:t>
-            </a:r>
-          </a:p>
-          <a:p>
-            <a:r>
-              <a:rPr lang="en-US" dirty="0"/>
-              <a:t>We pretty much always rescale our features. </a:t>
-            </a:r>
-          </a:p>
-          <a:p>
-            <a:pPr lvl="1"/>
-            <a:r>
-              <a:rPr lang="en-US" dirty="0"/>
-              <a:t>Prevents one value from “taking over” the importance. </a:t>
-            </a:r>
-          </a:p>
-          <a:p>
-            <a:pPr lvl="1"/>
-            <a:r>
-              <a:rPr lang="en-US" dirty="0"/>
-              <a:t>Allows more elaborate models to find their solutions more quickly and reliably. </a:t>
-            </a:r>
-          </a:p>
-          <a:p>
-            <a:pPr lvl="1"/>
-            <a:r>
-              <a:rPr lang="en-US" dirty="0"/>
-              <a:t>There’s no real drawback. </a:t>
-            </a:r>
-          </a:p>
-        </p:txBody>
-      </p:sp>
-    </p:spTree>
-    <p:extLst>
-      <p:ext uri="{BB962C8B-B14F-4D97-AF65-F5344CB8AC3E}">
-        <p14:creationId xmlns:p14="http://schemas.microsoft.com/office/powerpoint/2010/main" val="745550153"/>
-      </p:ext>
-    </p:extLst>
-  </p:cSld>
-  <p:clrMapOvr>
-    <a:masterClrMapping/>
-  </p:clrMapOvr>
-</p:sld>
-</file>
-
-<file path=ppt/slides/slide2.xml><?xml version="1.0" encoding="utf-8"?>
-<p:sld xmlns:a="http://schemas.openxmlformats.org/drawingml/2006/main" xmlns:r="http://schemas.openxmlformats.org/officeDocument/2006/relationships" xmlns:p="http://schemas.openxmlformats.org/presentationml/2006/main">
-  <p:cSld>
-    <p:spTree>
-      <p:nvGrpSpPr>
-        <p:cNvPr id="1" name=""/>
-        <p:cNvGrpSpPr/>
-        <p:nvPr/>
-      </p:nvGrpSpPr>
-      <p:grpSpPr>
-        <a:xfrm>
-          <a:off x="0" y="0"/>
-          <a:ext cx="0" cy="0"/>
-          <a:chOff x="0" y="0"/>
-          <a:chExt cx="0" cy="0"/>
-        </a:xfrm>
-      </p:grpSpPr>
-      <p:sp>
-        <p:nvSpPr>
-          <p:cNvPr id="2" name="Title 1">
-            <a:extLst>
-              <a:ext uri="{FF2B5EF4-FFF2-40B4-BE49-F238E27FC236}">
-                <a16:creationId xmlns:a16="http://schemas.microsoft.com/office/drawing/2014/main" id="{964226B8-8374-79CD-FE51-949547CCE798}"/>
-              </a:ext>
-            </a:extLst>
-          </p:cNvPr>
-          <p:cNvSpPr>
-            <a:spLocks noGrp="1"/>
-          </p:cNvSpPr>
-          <p:nvPr>
-            <p:ph type="title"/>
-          </p:nvPr>
-        </p:nvSpPr>
-        <p:spPr/>
-        <p:txBody>
-          <a:bodyPr/>
-          <a:lstStyle/>
-          <a:p>
-            <a:r>
-              <a:rPr lang="en-US" dirty="0"/>
-              <a:t>Distribution and Stats</a:t>
-            </a:r>
-          </a:p>
-        </p:txBody>
-      </p:sp>
-      <p:sp>
-        <p:nvSpPr>
-          <p:cNvPr id="3" name="Content Placeholder 2">
-            <a:extLst>
-              <a:ext uri="{FF2B5EF4-FFF2-40B4-BE49-F238E27FC236}">
-                <a16:creationId xmlns:a16="http://schemas.microsoft.com/office/drawing/2014/main" id="{23746AA3-CAED-B03C-7F14-06257FB18EC0}"/>
-              </a:ext>
-            </a:extLst>
-          </p:cNvPr>
-          <p:cNvSpPr>
-            <a:spLocks noGrp="1"/>
-          </p:cNvSpPr>
-          <p:nvPr>
-            <p:ph idx="1"/>
-          </p:nvPr>
-        </p:nvSpPr>
-        <p:spPr>
-          <a:xfrm>
-            <a:off x="1451579" y="1853754"/>
-            <a:ext cx="9603275" cy="4199727"/>
-          </a:xfrm>
-        </p:spPr>
-        <p:txBody>
-          <a:bodyPr/>
-          <a:lstStyle/>
-          <a:p>
-            <a:r>
-              <a:rPr lang="en-US" dirty="0"/>
-              <a:t>Exploring our data (exploratory data analysis – EDA) is important to machine learning. </a:t>
-            </a:r>
-          </a:p>
-          <a:p>
-            <a:pPr lvl="1"/>
-            <a:r>
-              <a:rPr lang="en-US" dirty="0"/>
-              <a:t>We learn if there are any problems in our data (wrong types, blanks, errors, </a:t>
-            </a:r>
-            <a:r>
-              <a:rPr lang="en-US" dirty="0" err="1"/>
-              <a:t>etc</a:t>
-            </a:r>
-            <a:r>
-              <a:rPr lang="en-US" dirty="0"/>
-              <a:t>…)</a:t>
-            </a:r>
-          </a:p>
-          <a:p>
-            <a:pPr lvl="1"/>
-            <a:r>
-              <a:rPr lang="en-US" dirty="0"/>
-              <a:t>We can see if there is any data we want to be modified, such as filtering outliers. </a:t>
-            </a:r>
-          </a:p>
-          <a:p>
-            <a:pPr lvl="1"/>
-            <a:r>
-              <a:rPr lang="en-US" dirty="0"/>
-              <a:t>We learn what our data looks like – min, max, mean, dispersion, distribution. </a:t>
-            </a:r>
-          </a:p>
-          <a:p>
-            <a:r>
-              <a:rPr lang="en-US" dirty="0"/>
-              <a:t>We need to do the “fix problems” part to make things work properly. </a:t>
-            </a:r>
-          </a:p>
-          <a:p>
-            <a:pPr lvl="1"/>
-            <a:r>
-              <a:rPr lang="en-US" dirty="0"/>
-              <a:t>Having data that is ‘clean’ (consistent data, correct types, no blanks/errors) is required. </a:t>
-            </a:r>
-          </a:p>
-          <a:p>
-            <a:r>
-              <a:rPr lang="en-US" dirty="0"/>
-              <a:t>We want to do the “understand the data” part to be more effective and efficient. </a:t>
-            </a:r>
-          </a:p>
-          <a:p>
-            <a:pPr lvl="1"/>
-            <a:r>
-              <a:rPr lang="en-US" dirty="0"/>
-              <a:t>This isn’t needed, but it does help, and that will grow as you become more comfortable. </a:t>
-            </a:r>
-          </a:p>
-          <a:p>
-            <a:pPr lvl="1"/>
-            <a:r>
-              <a:rPr lang="en-US" dirty="0"/>
-              <a:t>Understanding the data can help guide our decisions (vague, I know). </a:t>
-            </a:r>
-          </a:p>
-        </p:txBody>
-      </p:sp>
-    </p:spTree>
-    <p:extLst>
-      <p:ext uri="{BB962C8B-B14F-4D97-AF65-F5344CB8AC3E}">
-        <p14:creationId xmlns:p14="http://schemas.microsoft.com/office/powerpoint/2010/main" val="2888578941"/>
-      </p:ext>
-    </p:extLst>
-  </p:cSld>
-  <p:clrMapOvr>
-    <a:masterClrMapping/>
-  </p:clrMapOvr>
-</p:sld>
-</file>
-
-<file path=ppt/slides/slide3.xml><?xml version="1.0" encoding="utf-8"?>
-<p:sld xmlns:a="http://schemas.openxmlformats.org/drawingml/2006/main" xmlns:r="http://schemas.openxmlformats.org/officeDocument/2006/relationships" xmlns:p="http://schemas.openxmlformats.org/presentationml/2006/main">
-  <p:cSld>
-    <p:spTree>
-      <p:nvGrpSpPr>
-        <p:cNvPr id="1" name=""/>
-        <p:cNvGrpSpPr/>
-        <p:nvPr/>
-      </p:nvGrpSpPr>
-      <p:grpSpPr>
-        <a:xfrm>
-          <a:off x="0" y="0"/>
-          <a:ext cx="0" cy="0"/>
-          <a:chOff x="0" y="0"/>
-          <a:chExt cx="0" cy="0"/>
-        </a:xfrm>
-      </p:grpSpPr>
-      <p:sp>
-        <p:nvSpPr>
-          <p:cNvPr id="2" name="Title 1">
-            <a:extLst>
-              <a:ext uri="{FF2B5EF4-FFF2-40B4-BE49-F238E27FC236}">
-                <a16:creationId xmlns:a16="http://schemas.microsoft.com/office/drawing/2014/main" id="{81E04333-B608-6585-D077-B4069930C5CF}"/>
-              </a:ext>
-            </a:extLst>
-          </p:cNvPr>
-          <p:cNvSpPr>
-            <a:spLocks noGrp="1"/>
-          </p:cNvSpPr>
-          <p:nvPr>
-            <p:ph type="title"/>
-          </p:nvPr>
-        </p:nvSpPr>
-        <p:spPr/>
-        <p:txBody>
-          <a:bodyPr/>
-          <a:lstStyle/>
-          <a:p>
-            <a:r>
-              <a:rPr lang="en-US" dirty="0"/>
-              <a:t>Exploration Helps Us</a:t>
-            </a:r>
-          </a:p>
-        </p:txBody>
-      </p:sp>
-      <p:sp>
-        <p:nvSpPr>
-          <p:cNvPr id="3" name="Content Placeholder 2">
-            <a:extLst>
-              <a:ext uri="{FF2B5EF4-FFF2-40B4-BE49-F238E27FC236}">
-                <a16:creationId xmlns:a16="http://schemas.microsoft.com/office/drawing/2014/main" id="{B2716732-FE2F-7B0D-4DD0-1E957092962F}"/>
-              </a:ext>
-            </a:extLst>
-          </p:cNvPr>
-          <p:cNvSpPr>
-            <a:spLocks noGrp="1"/>
-          </p:cNvSpPr>
-          <p:nvPr>
-            <p:ph idx="1"/>
-          </p:nvPr>
-        </p:nvSpPr>
-        <p:spPr>
-          <a:xfrm>
-            <a:off x="1451579" y="1853754"/>
-            <a:ext cx="9603275" cy="4199727"/>
-          </a:xfrm>
-        </p:spPr>
-        <p:txBody>
-          <a:bodyPr/>
-          <a:lstStyle/>
-          <a:p>
-            <a:r>
-              <a:rPr lang="en-US" dirty="0"/>
-              <a:t>Even though we aren’t experts yet, we can see a few uses for our understanding. </a:t>
-            </a:r>
-          </a:p>
-          <a:p>
-            <a:pPr lvl="1"/>
-            <a:r>
-              <a:rPr lang="en-US" dirty="0"/>
-              <a:t>Dispersion – if we have a feature that is always the same (or close), that’s likely not useful. </a:t>
-            </a:r>
-          </a:p>
-          <a:p>
-            <a:pPr lvl="1"/>
-            <a:r>
-              <a:rPr lang="en-US" dirty="0"/>
-              <a:t>Dispersion #2 – if we have natural “clumps” in the data, maybe those should be groups? </a:t>
-            </a:r>
-          </a:p>
-          <a:p>
-            <a:pPr lvl="1"/>
-            <a:r>
-              <a:rPr lang="en-US" dirty="0"/>
-              <a:t>Outliers – do the extreme values make sense or not, and should we keep them? </a:t>
-            </a:r>
-          </a:p>
-          <a:p>
-            <a:pPr lvl="1"/>
-            <a:r>
-              <a:rPr lang="en-US" dirty="0"/>
-              <a:t>Correlation – if things are highly correlated with the target, they are likely useful. </a:t>
-            </a:r>
-          </a:p>
-          <a:p>
-            <a:r>
-              <a:rPr lang="en-US" dirty="0"/>
-              <a:t>Knowing these things can help us, but we don’t </a:t>
-            </a:r>
-            <a:r>
-              <a:rPr lang="en-US" i="1" dirty="0"/>
-              <a:t>need</a:t>
-            </a:r>
-            <a:r>
-              <a:rPr lang="en-US" dirty="0"/>
-              <a:t> them to proceed. </a:t>
-            </a:r>
-          </a:p>
-          <a:p>
-            <a:r>
-              <a:rPr lang="en-US" dirty="0"/>
-              <a:t>Our understanding can also lead to some more dramatic steps…</a:t>
-            </a:r>
-          </a:p>
-        </p:txBody>
-      </p:sp>
-    </p:spTree>
-    <p:extLst>
-      <p:ext uri="{BB962C8B-B14F-4D97-AF65-F5344CB8AC3E}">
-        <p14:creationId xmlns:p14="http://schemas.microsoft.com/office/powerpoint/2010/main" val="1931552557"/>
-      </p:ext>
-    </p:extLst>
-  </p:cSld>
-  <p:clrMapOvr>
-    <a:masterClrMapping/>
-  </p:clrMapOvr>
-</p:sld>
-</file>
-
-<file path=ppt/slides/slide4.xml><?xml version="1.0" encoding="utf-8"?>
-<p:sld xmlns:a="http://schemas.openxmlformats.org/drawingml/2006/main" xmlns:r="http://schemas.openxmlformats.org/officeDocument/2006/relationships" xmlns:p="http://schemas.openxmlformats.org/presentationml/2006/main">
-  <p:cSld>
-    <p:spTree>
-      <p:nvGrpSpPr>
-        <p:cNvPr id="1" name=""/>
-        <p:cNvGrpSpPr/>
-        <p:nvPr/>
-      </p:nvGrpSpPr>
-      <p:grpSpPr>
-        <a:xfrm>
-          <a:off x="0" y="0"/>
-          <a:ext cx="0" cy="0"/>
-          <a:chOff x="0" y="0"/>
-          <a:chExt cx="0" cy="0"/>
-        </a:xfrm>
-      </p:grpSpPr>
-      <p:sp>
-        <p:nvSpPr>
-          <p:cNvPr id="2" name="Title 1">
-            <a:extLst>
-              <a:ext uri="{FF2B5EF4-FFF2-40B4-BE49-F238E27FC236}">
-                <a16:creationId xmlns:a16="http://schemas.microsoft.com/office/drawing/2014/main" id="{D3E1D86E-B924-62FC-C8B8-3A4EC212AE6B}"/>
-              </a:ext>
-            </a:extLst>
-          </p:cNvPr>
-          <p:cNvSpPr>
-            <a:spLocks noGrp="1"/>
-          </p:cNvSpPr>
-          <p:nvPr>
-            <p:ph type="title"/>
-          </p:nvPr>
-        </p:nvSpPr>
-        <p:spPr/>
-        <p:txBody>
-          <a:bodyPr/>
-          <a:lstStyle/>
-          <a:p>
-            <a:r>
-              <a:rPr lang="en-US" dirty="0"/>
-              <a:t>Using Median-</a:t>
-            </a:r>
-            <a:r>
-              <a:rPr lang="en-US" dirty="0" err="1"/>
-              <a:t>bAsed</a:t>
-            </a:r>
-            <a:r>
-              <a:rPr lang="en-US" dirty="0"/>
-              <a:t> Logic</a:t>
-            </a:r>
-          </a:p>
-        </p:txBody>
-      </p:sp>
-      <p:sp>
-        <p:nvSpPr>
-          <p:cNvPr id="3" name="Content Placeholder 2">
-            <a:extLst>
-              <a:ext uri="{FF2B5EF4-FFF2-40B4-BE49-F238E27FC236}">
-                <a16:creationId xmlns:a16="http://schemas.microsoft.com/office/drawing/2014/main" id="{0C035FB8-A815-2B29-4A2E-5EBF58254FDF}"/>
-              </a:ext>
-            </a:extLst>
-          </p:cNvPr>
-          <p:cNvSpPr>
-            <a:spLocks noGrp="1"/>
-          </p:cNvSpPr>
-          <p:nvPr>
-            <p:ph idx="1"/>
-          </p:nvPr>
-        </p:nvSpPr>
-        <p:spPr>
-          <a:xfrm>
-            <a:off x="1451579" y="2015732"/>
-            <a:ext cx="9603275" cy="4037749"/>
-          </a:xfrm>
-        </p:spPr>
-        <p:txBody>
-          <a:bodyPr/>
-          <a:lstStyle/>
-          <a:p>
-            <a:r>
-              <a:rPr lang="en-US" dirty="0"/>
-              <a:t>We generally look at the mean when looking at the average of data. </a:t>
-            </a:r>
-          </a:p>
-          <a:p>
-            <a:r>
-              <a:rPr lang="en-US" dirty="0"/>
-              <a:t>The median is another option, which is more outlier resistant. </a:t>
-            </a:r>
-          </a:p>
-          <a:p>
-            <a:pPr lvl="1"/>
-            <a:r>
-              <a:rPr lang="en-US" dirty="0"/>
-              <a:t>50% of the values are above the median, 50% below. It does not matter how much higher or lower though. </a:t>
-            </a:r>
-          </a:p>
-          <a:p>
-            <a:r>
-              <a:rPr lang="en-US" dirty="0"/>
-              <a:t>In many cases, particularly with real-world data, the median may be more useful. </a:t>
-            </a:r>
-          </a:p>
-          <a:p>
-            <a:pPr lvl="1"/>
-            <a:r>
-              <a:rPr lang="en-US" dirty="0"/>
-              <a:t>Financial data across a population often is better served by the median. </a:t>
-            </a:r>
-          </a:p>
-          <a:p>
-            <a:r>
-              <a:rPr lang="en-US" dirty="0"/>
-              <a:t>We can use this idea in our exploration and data preparation. </a:t>
-            </a:r>
-          </a:p>
-        </p:txBody>
-      </p:sp>
-    </p:spTree>
-    <p:extLst>
-      <p:ext uri="{BB962C8B-B14F-4D97-AF65-F5344CB8AC3E}">
-        <p14:creationId xmlns:p14="http://schemas.microsoft.com/office/powerpoint/2010/main" val="4196321873"/>
-      </p:ext>
-    </p:extLst>
-  </p:cSld>
-  <p:clrMapOvr>
-    <a:masterClrMapping/>
-  </p:clrMapOvr>
-</p:sld>
-</file>
-
-<file path=ppt/slides/slide5.xml><?xml version="1.0" encoding="utf-8"?>
 <p:sld xmlns:a="http://schemas.openxmlformats.org/drawingml/2006/main" xmlns:r="http://schemas.openxmlformats.org/officeDocument/2006/relationships" xmlns:p="http://schemas.openxmlformats.org/presentationml/2006/main">
   <p:cSld>
     <p:bg>
@@ -5861,7 +5077,7 @@
           <p:cNvPr id="2" name="Title 1">
             <a:extLst>
               <a:ext uri="{FF2B5EF4-FFF2-40B4-BE49-F238E27FC236}">
-                <a16:creationId xmlns:a16="http://schemas.microsoft.com/office/drawing/2014/main" id="{BB9A6F2B-5EAB-02D2-C787-905A067CA55B}"/>
+                <a16:creationId xmlns:a16="http://schemas.microsoft.com/office/drawing/2014/main" id="{108CB092-4610-992B-5FD3-AD0A29811D7B}"/>
               </a:ext>
             </a:extLst>
           </p:cNvPr>
@@ -5886,17 +5102,64 @@
           <a:p>
             <a:r>
               <a:rPr lang="en-US" dirty="0"/>
-              <a:t>Skew</a:t>
+              <a:t>Data Example</a:t>
+            </a:r>
+          </a:p>
+        </p:txBody>
+      </p:sp>
+      <p:sp>
+        <p:nvSpPr>
+          <p:cNvPr id="3" name="Content Placeholder 2">
+            <a:extLst>
+              <a:ext uri="{FF2B5EF4-FFF2-40B4-BE49-F238E27FC236}">
+                <a16:creationId xmlns:a16="http://schemas.microsoft.com/office/drawing/2014/main" id="{F32A43F0-32CA-0B44-6052-91F2535C2298}"/>
+              </a:ext>
+            </a:extLst>
+          </p:cNvPr>
+          <p:cNvSpPr>
+            <a:spLocks noGrp="1"/>
+          </p:cNvSpPr>
+          <p:nvPr>
+            <p:ph idx="1"/>
+          </p:nvPr>
+        </p:nvSpPr>
+        <p:spPr>
+          <a:xfrm>
+            <a:off x="1" y="2015734"/>
+            <a:ext cx="5004485" cy="4037747"/>
+          </a:xfrm>
+        </p:spPr>
+        <p:txBody>
+          <a:bodyPr>
+            <a:normAutofit/>
+          </a:bodyPr>
+          <a:lstStyle/>
+          <a:p>
+            <a:r>
+              <a:rPr lang="en-US" dirty="0"/>
+              <a:t>The two features pictured here are obviously different in their original range. </a:t>
+            </a:r>
+          </a:p>
+          <a:p>
+            <a:r>
+              <a:rPr lang="en-US" dirty="0"/>
+              <a:t>After standardization, they are similar. </a:t>
+            </a:r>
+          </a:p>
+          <a:p>
+            <a:r>
+              <a:rPr lang="en-US" dirty="0"/>
+              <a:t>This lets our model consider the impact of all features in a comparable way. </a:t>
             </a:r>
           </a:p>
         </p:txBody>
       </p:sp>
       <p:pic>
         <p:nvPicPr>
-          <p:cNvPr id="1028" name="Picture 4" descr="Statistical Income Distributions for Household Income Distribution of... |  Download Scientific Diagram">
+          <p:cNvPr id="8194" name="Picture 2" descr="Feature Scaling: Normalization and Standardization - Quinn-Yann - 博客园">
             <a:extLst>
               <a:ext uri="{FF2B5EF4-FFF2-40B4-BE49-F238E27FC236}">
-                <a16:creationId xmlns:a16="http://schemas.microsoft.com/office/drawing/2014/main" id="{45AC396E-32A5-1BF1-65E2-7854D64849EF}"/>
+                <a16:creationId xmlns:a16="http://schemas.microsoft.com/office/drawing/2014/main" id="{E36C7107-9C72-D987-5CCD-B516ED9C784E}"/>
               </a:ext>
             </a:extLst>
           </p:cNvPr>
@@ -5919,8 +5182,8 @@
         </p:blipFill>
         <p:spPr bwMode="auto">
           <a:xfrm>
-            <a:off x="0" y="1853754"/>
-            <a:ext cx="6065752" cy="5004246"/>
+            <a:off x="5004486" y="24474"/>
+            <a:ext cx="7187513" cy="6813598"/>
           </a:xfrm>
           <a:prstGeom prst="rect">
             <a:avLst/>
@@ -5937,12 +5200,70 @@
           </a:extLst>
         </p:spPr>
       </p:pic>
+    </p:spTree>
+    <p:extLst>
+      <p:ext uri="{BB962C8B-B14F-4D97-AF65-F5344CB8AC3E}">
+        <p14:creationId xmlns:p14="http://schemas.microsoft.com/office/powerpoint/2010/main" val="2933853293"/>
+      </p:ext>
+    </p:extLst>
+  </p:cSld>
+  <p:clrMapOvr>
+    <a:masterClrMapping/>
+  </p:clrMapOvr>
+</p:sld>
+</file>
+
+<file path=ppt/slides/slide18.xml><?xml version="1.0" encoding="utf-8"?>
+<p:sld xmlns:a="http://schemas.openxmlformats.org/drawingml/2006/main" xmlns:r="http://schemas.openxmlformats.org/officeDocument/2006/relationships" xmlns:p="http://schemas.openxmlformats.org/presentationml/2006/main">
+  <p:cSld>
+    <p:spTree>
+      <p:nvGrpSpPr>
+        <p:cNvPr id="1" name=""/>
+        <p:cNvGrpSpPr/>
+        <p:nvPr/>
+      </p:nvGrpSpPr>
+      <p:grpSpPr>
+        <a:xfrm>
+          <a:off x="0" y="0"/>
+          <a:ext cx="0" cy="0"/>
+          <a:chOff x="0" y="0"/>
+          <a:chExt cx="0" cy="0"/>
+        </a:xfrm>
+      </p:grpSpPr>
+      <p:sp>
+        <p:nvSpPr>
+          <p:cNvPr id="2" name="Title 1">
+            <a:extLst>
+              <a:ext uri="{FF2B5EF4-FFF2-40B4-BE49-F238E27FC236}">
+                <a16:creationId xmlns:a16="http://schemas.microsoft.com/office/drawing/2014/main" id="{FEDB1C9E-0D09-94C2-9A17-208F0C5629D2}"/>
+              </a:ext>
+            </a:extLst>
+          </p:cNvPr>
+          <p:cNvSpPr>
+            <a:spLocks noGrp="1"/>
+          </p:cNvSpPr>
+          <p:nvPr>
+            <p:ph type="title"/>
+          </p:nvPr>
+        </p:nvSpPr>
+        <p:spPr/>
+        <p:txBody>
+          <a:bodyPr/>
+          <a:lstStyle/>
+          <a:p>
+            <a:r>
+              <a:rPr lang="en-US" dirty="0"/>
+              <a:t>Comparison</a:t>
+            </a:r>
+          </a:p>
+        </p:txBody>
+      </p:sp>
       <p:sp>
         <p:nvSpPr>
           <p:cNvPr id="3" name="Content Placeholder 2">
             <a:extLst>
               <a:ext uri="{FF2B5EF4-FFF2-40B4-BE49-F238E27FC236}">
-                <a16:creationId xmlns:a16="http://schemas.microsoft.com/office/drawing/2014/main" id="{0DF9397C-16D4-A866-450F-EF0346FDA778}"/>
+                <a16:creationId xmlns:a16="http://schemas.microsoft.com/office/drawing/2014/main" id="{9D9B1EB8-F636-63E3-E8A3-27009D297484}"/>
               </a:ext>
             </a:extLst>
           </p:cNvPr>
@@ -5953,55 +5274,855 @@
             <p:ph idx="1"/>
           </p:nvPr>
         </p:nvSpPr>
-        <p:spPr>
-          <a:xfrm>
-            <a:off x="6126250" y="2015734"/>
-            <a:ext cx="6065749" cy="4037747"/>
-          </a:xfrm>
-        </p:spPr>
-        <p:txBody>
-          <a:bodyPr>
-            <a:normAutofit/>
-          </a:bodyPr>
-          <a:lstStyle/>
-          <a:p>
-            <a:r>
-              <a:rPr lang="en-US" dirty="0"/>
-              <a:t>Things like income often follow a pattern like this – they are ‘skewed’. </a:t>
-            </a:r>
-          </a:p>
-          <a:p>
-            <a:pPr lvl="1"/>
-            <a:r>
-              <a:rPr lang="en-US" dirty="0"/>
-              <a:t>The distribution pattern is often log-normal. </a:t>
-            </a:r>
-          </a:p>
-          <a:p>
-            <a:r>
-              <a:rPr lang="en-US" dirty="0"/>
-              <a:t>In these cases the mean is greater than the median. </a:t>
-            </a:r>
-          </a:p>
-          <a:p>
-            <a:pPr lvl="1"/>
-            <a:r>
-              <a:rPr lang="en-US" dirty="0"/>
-              <a:t>It is ‘pulled’ by the higher values. </a:t>
-            </a:r>
-          </a:p>
-          <a:p>
-            <a:r>
-              <a:rPr lang="en-US" dirty="0"/>
-              <a:t>The ‘clump’ of most records ends up grouped fairly tightly, compared to a bell curve. </a:t>
-            </a:r>
-          </a:p>
-        </p:txBody>
-      </p:sp>
+        <p:spPr/>
+        <p:txBody>
+          <a:bodyPr/>
+          <a:lstStyle/>
+          <a:p>
+            <a:endParaRPr lang="en-US"/>
+          </a:p>
+        </p:txBody>
+      </p:sp>
+      <p:pic>
+        <p:nvPicPr>
+          <p:cNvPr id="9218" name="Picture 2" descr="Feature Scaling: When Should You Use Standardization and Normalization | by  Zipporah Luna | Python in Plain English">
+            <a:extLst>
+              <a:ext uri="{FF2B5EF4-FFF2-40B4-BE49-F238E27FC236}">
+                <a16:creationId xmlns:a16="http://schemas.microsoft.com/office/drawing/2014/main" id="{5D5B796C-BF68-DCFE-3482-E16E8B5EA1D0}"/>
+              </a:ext>
+            </a:extLst>
+          </p:cNvPr>
+          <p:cNvPicPr>
+            <a:picLocks noChangeAspect="1" noChangeArrowheads="1"/>
+          </p:cNvPicPr>
+          <p:nvPr/>
+        </p:nvPicPr>
+        <p:blipFill>
+          <a:blip r:embed="rId2">
+            <a:extLst>
+              <a:ext uri="{28A0092B-C50C-407E-A947-70E740481C1C}">
+                <a14:useLocalDpi xmlns:a14="http://schemas.microsoft.com/office/drawing/2010/main" val="0"/>
+              </a:ext>
+            </a:extLst>
+          </a:blip>
+          <a:srcRect/>
+          <a:stretch>
+            <a:fillRect/>
+          </a:stretch>
+        </p:blipFill>
+        <p:spPr bwMode="auto">
+          <a:xfrm>
+            <a:off x="0" y="1308100"/>
+            <a:ext cx="12192000" cy="4241800"/>
+          </a:xfrm>
+          <a:prstGeom prst="rect">
+            <a:avLst/>
+          </a:prstGeom>
+          <a:noFill/>
+          <a:extLst>
+            <a:ext uri="{909E8E84-426E-40DD-AFC4-6F175D3DCCD1}">
+              <a14:hiddenFill xmlns:a14="http://schemas.microsoft.com/office/drawing/2010/main">
+                <a:solidFill>
+                  <a:srgbClr val="FFFFFF"/>
+                </a:solidFill>
+              </a14:hiddenFill>
+            </a:ext>
+          </a:extLst>
+        </p:spPr>
+      </p:pic>
     </p:spTree>
     <p:extLst>
       <p:ext uri="{BB962C8B-B14F-4D97-AF65-F5344CB8AC3E}">
-        <p14:creationId xmlns:p14="http://schemas.microsoft.com/office/powerpoint/2010/main" val="896721716"/>
+        <p14:creationId xmlns:p14="http://schemas.microsoft.com/office/powerpoint/2010/main" val="252579082"/>
+      </p:ext>
+    </p:extLst>
+  </p:cSld>
+  <p:clrMapOvr>
+    <a:masterClrMapping/>
+  </p:clrMapOvr>
+</p:sld>
+</file>
+
+<file path=ppt/slides/slide19.xml><?xml version="1.0" encoding="utf-8"?>
+<p:sld xmlns:a="http://schemas.openxmlformats.org/drawingml/2006/main" xmlns:r="http://schemas.openxmlformats.org/officeDocument/2006/relationships" xmlns:p="http://schemas.openxmlformats.org/presentationml/2006/main">
+  <p:cSld>
+    <p:spTree>
+      <p:nvGrpSpPr>
+        <p:cNvPr id="1" name=""/>
+        <p:cNvGrpSpPr/>
+        <p:nvPr/>
+      </p:nvGrpSpPr>
+      <p:grpSpPr>
+        <a:xfrm>
+          <a:off x="0" y="0"/>
+          <a:ext cx="0" cy="0"/>
+          <a:chOff x="0" y="0"/>
+          <a:chExt cx="0" cy="0"/>
+        </a:xfrm>
+      </p:grpSpPr>
+      <p:sp>
+        <p:nvSpPr>
+          <p:cNvPr id="2" name="Title 1">
+            <a:extLst>
+              <a:ext uri="{FF2B5EF4-FFF2-40B4-BE49-F238E27FC236}">
+                <a16:creationId xmlns:a16="http://schemas.microsoft.com/office/drawing/2014/main" id="{F7718EE9-19F5-8128-78A9-71A6F76E8B60}"/>
+              </a:ext>
+            </a:extLst>
+          </p:cNvPr>
+          <p:cNvSpPr>
+            <a:spLocks noGrp="1"/>
+          </p:cNvSpPr>
+          <p:nvPr>
+            <p:ph type="title"/>
+          </p:nvPr>
+        </p:nvSpPr>
+        <p:spPr/>
+        <p:txBody>
+          <a:bodyPr/>
+          <a:lstStyle/>
+          <a:p>
+            <a:r>
+              <a:rPr lang="en-US" dirty="0"/>
+              <a:t>Feature Scaling Usage</a:t>
+            </a:r>
+          </a:p>
+        </p:txBody>
+      </p:sp>
+      <p:sp>
+        <p:nvSpPr>
+          <p:cNvPr id="3" name="Content Placeholder 2">
+            <a:extLst>
+              <a:ext uri="{FF2B5EF4-FFF2-40B4-BE49-F238E27FC236}">
+                <a16:creationId xmlns:a16="http://schemas.microsoft.com/office/drawing/2014/main" id="{C89836CF-77E8-AD9E-561E-9174184C4048}"/>
+              </a:ext>
+            </a:extLst>
+          </p:cNvPr>
+          <p:cNvSpPr>
+            <a:spLocks noGrp="1"/>
+          </p:cNvSpPr>
+          <p:nvPr>
+            <p:ph idx="1"/>
+          </p:nvPr>
+        </p:nvSpPr>
+        <p:spPr>
+          <a:xfrm>
+            <a:off x="1451579" y="1853754"/>
+            <a:ext cx="9603275" cy="4199727"/>
+          </a:xfrm>
+        </p:spPr>
+        <p:txBody>
+          <a:bodyPr/>
+          <a:lstStyle/>
+          <a:p>
+            <a:r>
+              <a:rPr lang="en-US" dirty="0"/>
+              <a:t>We generally use feature scaling all the time, there aren’t really any downsides. </a:t>
+            </a:r>
+          </a:p>
+          <a:p>
+            <a:r>
+              <a:rPr lang="en-US" dirty="0"/>
+              <a:t>Which one do we use? </a:t>
+            </a:r>
+          </a:p>
+          <a:p>
+            <a:pPr lvl="1"/>
+            <a:r>
+              <a:rPr lang="en-US" dirty="0"/>
+              <a:t>There is no “true” answer, we test and observe the performance. </a:t>
+            </a:r>
+          </a:p>
+          <a:p>
+            <a:pPr lvl="1"/>
+            <a:r>
+              <a:rPr lang="en-US" dirty="0"/>
+              <a:t>If the data is roughly normal to start with, standardization will likely be better. </a:t>
+            </a:r>
+          </a:p>
+          <a:p>
+            <a:r>
+              <a:rPr lang="en-US" dirty="0"/>
+              <a:t>The steps in code are simple. </a:t>
+            </a:r>
+          </a:p>
+          <a:p>
+            <a:pPr lvl="1"/>
+            <a:r>
+              <a:rPr lang="en-US" dirty="0"/>
+              <a:t>Make a scaler object, using the </a:t>
+            </a:r>
+            <a:r>
+              <a:rPr lang="en-US" dirty="0" err="1"/>
+              <a:t>sklearn</a:t>
+            </a:r>
+            <a:r>
+              <a:rPr lang="en-US" dirty="0"/>
+              <a:t> module. </a:t>
+            </a:r>
+          </a:p>
+          <a:p>
+            <a:pPr lvl="1"/>
+            <a:r>
+              <a:rPr lang="en-US" dirty="0"/>
+              <a:t>Fit the scaler to the training X data, so it learns what the new scale should be. </a:t>
+            </a:r>
+          </a:p>
+          <a:p>
+            <a:pPr lvl="1"/>
+            <a:r>
+              <a:rPr lang="en-US" dirty="0"/>
+              <a:t>Transform the test data, so it is on the correct scale. </a:t>
+            </a:r>
+          </a:p>
+          <a:p>
+            <a:r>
+              <a:rPr lang="en-US" dirty="0"/>
+              <a:t>Once this is done, nothing else changes. (Note: no need to scale y, generally). </a:t>
+            </a:r>
+          </a:p>
+        </p:txBody>
+      </p:sp>
+    </p:spTree>
+    <p:extLst>
+      <p:ext uri="{BB962C8B-B14F-4D97-AF65-F5344CB8AC3E}">
+        <p14:creationId xmlns:p14="http://schemas.microsoft.com/office/powerpoint/2010/main" val="2215679788"/>
+      </p:ext>
+    </p:extLst>
+  </p:cSld>
+  <p:clrMapOvr>
+    <a:masterClrMapping/>
+  </p:clrMapOvr>
+</p:sld>
+</file>
+
+<file path=ppt/slides/slide2.xml><?xml version="1.0" encoding="utf-8"?>
+<p:sld xmlns:a="http://schemas.openxmlformats.org/drawingml/2006/main" xmlns:r="http://schemas.openxmlformats.org/officeDocument/2006/relationships" xmlns:p="http://schemas.openxmlformats.org/presentationml/2006/main">
+  <p:cSld>
+    <p:spTree>
+      <p:nvGrpSpPr>
+        <p:cNvPr id="1" name=""/>
+        <p:cNvGrpSpPr/>
+        <p:nvPr/>
+      </p:nvGrpSpPr>
+      <p:grpSpPr>
+        <a:xfrm>
+          <a:off x="0" y="0"/>
+          <a:ext cx="0" cy="0"/>
+          <a:chOff x="0" y="0"/>
+          <a:chExt cx="0" cy="0"/>
+        </a:xfrm>
+      </p:grpSpPr>
+      <p:sp>
+        <p:nvSpPr>
+          <p:cNvPr id="2" name="Title 1">
+            <a:extLst>
+              <a:ext uri="{FF2B5EF4-FFF2-40B4-BE49-F238E27FC236}">
+                <a16:creationId xmlns:a16="http://schemas.microsoft.com/office/drawing/2014/main" id="{9A5743FF-01D8-5A9E-8127-83F70173BB09}"/>
+              </a:ext>
+            </a:extLst>
+          </p:cNvPr>
+          <p:cNvSpPr>
+            <a:spLocks noGrp="1"/>
+          </p:cNvSpPr>
+          <p:nvPr>
+            <p:ph type="ctrTitle"/>
+          </p:nvPr>
+        </p:nvSpPr>
+        <p:spPr/>
+        <p:txBody>
+          <a:bodyPr/>
+          <a:lstStyle/>
+          <a:p>
+            <a:r>
+              <a:rPr lang="en-US" dirty="0"/>
+              <a:t>Data Prep and Regression</a:t>
+            </a:r>
+          </a:p>
+        </p:txBody>
+      </p:sp>
+      <p:sp>
+        <p:nvSpPr>
+          <p:cNvPr id="3" name="Subtitle 2">
+            <a:extLst>
+              <a:ext uri="{FF2B5EF4-FFF2-40B4-BE49-F238E27FC236}">
+                <a16:creationId xmlns:a16="http://schemas.microsoft.com/office/drawing/2014/main" id="{215AF830-7AA9-532E-161C-6C9687DDA66C}"/>
+              </a:ext>
+            </a:extLst>
+          </p:cNvPr>
+          <p:cNvSpPr>
+            <a:spLocks noGrp="1"/>
+          </p:cNvSpPr>
+          <p:nvPr>
+            <p:ph type="subTitle" idx="1"/>
+          </p:nvPr>
+        </p:nvSpPr>
+        <p:spPr/>
+        <p:txBody>
+          <a:bodyPr/>
+          <a:lstStyle/>
+          <a:p>
+            <a:endParaRPr lang="en-US"/>
+          </a:p>
+        </p:txBody>
+      </p:sp>
+    </p:spTree>
+    <p:extLst>
+      <p:ext uri="{BB962C8B-B14F-4D97-AF65-F5344CB8AC3E}">
+        <p14:creationId xmlns:p14="http://schemas.microsoft.com/office/powerpoint/2010/main" val="3326950813"/>
+      </p:ext>
+    </p:extLst>
+  </p:cSld>
+  <p:clrMapOvr>
+    <a:masterClrMapping/>
+  </p:clrMapOvr>
+</p:sld>
+</file>
+
+<file path=ppt/slides/slide20.xml><?xml version="1.0" encoding="utf-8"?>
+<p:sld xmlns:a="http://schemas.openxmlformats.org/drawingml/2006/main" xmlns:r="http://schemas.openxmlformats.org/officeDocument/2006/relationships" xmlns:p="http://schemas.openxmlformats.org/presentationml/2006/main">
+  <p:cSld>
+    <p:spTree>
+      <p:nvGrpSpPr>
+        <p:cNvPr id="1" name=""/>
+        <p:cNvGrpSpPr/>
+        <p:nvPr/>
+      </p:nvGrpSpPr>
+      <p:grpSpPr>
+        <a:xfrm>
+          <a:off x="0" y="0"/>
+          <a:ext cx="0" cy="0"/>
+          <a:chOff x="0" y="0"/>
+          <a:chExt cx="0" cy="0"/>
+        </a:xfrm>
+      </p:grpSpPr>
+      <p:sp>
+        <p:nvSpPr>
+          <p:cNvPr id="2" name="Title 1">
+            <a:extLst>
+              <a:ext uri="{FF2B5EF4-FFF2-40B4-BE49-F238E27FC236}">
+                <a16:creationId xmlns:a16="http://schemas.microsoft.com/office/drawing/2014/main" id="{F0501107-2845-A07B-4170-6083065D6DAF}"/>
+              </a:ext>
+            </a:extLst>
+          </p:cNvPr>
+          <p:cNvSpPr>
+            <a:spLocks noGrp="1"/>
+          </p:cNvSpPr>
+          <p:nvPr>
+            <p:ph type="title"/>
+          </p:nvPr>
+        </p:nvSpPr>
+        <p:spPr/>
+        <p:txBody>
+          <a:bodyPr/>
+          <a:lstStyle/>
+          <a:p>
+            <a:r>
+              <a:rPr lang="en-US" dirty="0"/>
+              <a:t>Transforming for Fun and Profit</a:t>
+            </a:r>
+          </a:p>
+        </p:txBody>
+      </p:sp>
+      <p:sp>
+        <p:nvSpPr>
+          <p:cNvPr id="3" name="Content Placeholder 2">
+            <a:extLst>
+              <a:ext uri="{FF2B5EF4-FFF2-40B4-BE49-F238E27FC236}">
+                <a16:creationId xmlns:a16="http://schemas.microsoft.com/office/drawing/2014/main" id="{5C1D74D5-4D17-0A86-63A5-1962B71CE1DD}"/>
+              </a:ext>
+            </a:extLst>
+          </p:cNvPr>
+          <p:cNvSpPr>
+            <a:spLocks noGrp="1"/>
+          </p:cNvSpPr>
+          <p:nvPr>
+            <p:ph idx="1"/>
+          </p:nvPr>
+        </p:nvSpPr>
+        <p:spPr>
+          <a:xfrm>
+            <a:off x="1451579" y="1853754"/>
+            <a:ext cx="9603275" cy="4199727"/>
+          </a:xfrm>
+        </p:spPr>
+        <p:txBody>
+          <a:bodyPr/>
+          <a:lstStyle/>
+          <a:p>
+            <a:r>
+              <a:rPr lang="en-US" dirty="0"/>
+              <a:t>Making transformations to the data we use for models is common. </a:t>
+            </a:r>
+          </a:p>
+          <a:p>
+            <a:r>
+              <a:rPr lang="en-US" dirty="0"/>
+              <a:t>We can learn from our data exploration, stats knowledge, and domain knowledge. </a:t>
+            </a:r>
+          </a:p>
+          <a:p>
+            <a:pPr lvl="1"/>
+            <a:r>
+              <a:rPr lang="en-US" dirty="0"/>
+              <a:t>Does it look like any ad-hoc transformations may be useful. </a:t>
+            </a:r>
+          </a:p>
+          <a:p>
+            <a:r>
+              <a:rPr lang="en-US" dirty="0"/>
+              <a:t>We pretty much always rescale our features. </a:t>
+            </a:r>
+          </a:p>
+          <a:p>
+            <a:pPr lvl="1"/>
+            <a:r>
+              <a:rPr lang="en-US" dirty="0"/>
+              <a:t>Prevents one value from “taking over” the importance. </a:t>
+            </a:r>
+          </a:p>
+          <a:p>
+            <a:pPr lvl="1"/>
+            <a:r>
+              <a:rPr lang="en-US" dirty="0"/>
+              <a:t>Allows more elaborate models to find their solutions more quickly and reliably. </a:t>
+            </a:r>
+          </a:p>
+          <a:p>
+            <a:pPr lvl="1"/>
+            <a:r>
+              <a:rPr lang="en-US" dirty="0"/>
+              <a:t>There’s no real drawback. </a:t>
+            </a:r>
+          </a:p>
+        </p:txBody>
+      </p:sp>
+    </p:spTree>
+    <p:extLst>
+      <p:ext uri="{BB962C8B-B14F-4D97-AF65-F5344CB8AC3E}">
+        <p14:creationId xmlns:p14="http://schemas.microsoft.com/office/powerpoint/2010/main" val="745550153"/>
+      </p:ext>
+    </p:extLst>
+  </p:cSld>
+  <p:clrMapOvr>
+    <a:masterClrMapping/>
+  </p:clrMapOvr>
+</p:sld>
+</file>
+
+<file path=ppt/slides/slide3.xml><?xml version="1.0" encoding="utf-8"?>
+<p:sld xmlns:a="http://schemas.openxmlformats.org/drawingml/2006/main" xmlns:r="http://schemas.openxmlformats.org/officeDocument/2006/relationships" xmlns:p="http://schemas.openxmlformats.org/presentationml/2006/main">
+  <p:cSld>
+    <p:spTree>
+      <p:nvGrpSpPr>
+        <p:cNvPr id="1" name=""/>
+        <p:cNvGrpSpPr/>
+        <p:nvPr/>
+      </p:nvGrpSpPr>
+      <p:grpSpPr>
+        <a:xfrm>
+          <a:off x="0" y="0"/>
+          <a:ext cx="0" cy="0"/>
+          <a:chOff x="0" y="0"/>
+          <a:chExt cx="0" cy="0"/>
+        </a:xfrm>
+      </p:grpSpPr>
+      <p:sp>
+        <p:nvSpPr>
+          <p:cNvPr id="2" name="Title 1">
+            <a:extLst>
+              <a:ext uri="{FF2B5EF4-FFF2-40B4-BE49-F238E27FC236}">
+                <a16:creationId xmlns:a16="http://schemas.microsoft.com/office/drawing/2014/main" id="{964226B8-8374-79CD-FE51-949547CCE798}"/>
+              </a:ext>
+            </a:extLst>
+          </p:cNvPr>
+          <p:cNvSpPr>
+            <a:spLocks noGrp="1"/>
+          </p:cNvSpPr>
+          <p:nvPr>
+            <p:ph type="title"/>
+          </p:nvPr>
+        </p:nvSpPr>
+        <p:spPr/>
+        <p:txBody>
+          <a:bodyPr/>
+          <a:lstStyle/>
+          <a:p>
+            <a:r>
+              <a:rPr lang="en-US" dirty="0"/>
+              <a:t>Distribution and Stats</a:t>
+            </a:r>
+          </a:p>
+        </p:txBody>
+      </p:sp>
+      <p:sp>
+        <p:nvSpPr>
+          <p:cNvPr id="3" name="Content Placeholder 2">
+            <a:extLst>
+              <a:ext uri="{FF2B5EF4-FFF2-40B4-BE49-F238E27FC236}">
+                <a16:creationId xmlns:a16="http://schemas.microsoft.com/office/drawing/2014/main" id="{23746AA3-CAED-B03C-7F14-06257FB18EC0}"/>
+              </a:ext>
+            </a:extLst>
+          </p:cNvPr>
+          <p:cNvSpPr>
+            <a:spLocks noGrp="1"/>
+          </p:cNvSpPr>
+          <p:nvPr>
+            <p:ph idx="1"/>
+          </p:nvPr>
+        </p:nvSpPr>
+        <p:spPr>
+          <a:xfrm>
+            <a:off x="1451579" y="1853754"/>
+            <a:ext cx="9603275" cy="4199727"/>
+          </a:xfrm>
+        </p:spPr>
+        <p:txBody>
+          <a:bodyPr/>
+          <a:lstStyle/>
+          <a:p>
+            <a:r>
+              <a:rPr lang="en-US" dirty="0"/>
+              <a:t>Exploring our data (exploratory data analysis – EDA) is important to machine learning. </a:t>
+            </a:r>
+          </a:p>
+          <a:p>
+            <a:pPr lvl="1"/>
+            <a:r>
+              <a:rPr lang="en-US" dirty="0"/>
+              <a:t>We learn if there are any problems in our data (wrong types, blanks, errors, </a:t>
+            </a:r>
+            <a:r>
+              <a:rPr lang="en-US" dirty="0" err="1"/>
+              <a:t>etc</a:t>
+            </a:r>
+            <a:r>
+              <a:rPr lang="en-US" dirty="0"/>
+              <a:t>…)</a:t>
+            </a:r>
+          </a:p>
+          <a:p>
+            <a:pPr lvl="1"/>
+            <a:r>
+              <a:rPr lang="en-US" dirty="0"/>
+              <a:t>We can see if there is any data we want to be modified, such as filtering outliers. </a:t>
+            </a:r>
+          </a:p>
+          <a:p>
+            <a:pPr lvl="1"/>
+            <a:r>
+              <a:rPr lang="en-US" dirty="0"/>
+              <a:t>We learn what our data looks like – min, max, mean, dispersion, distribution. </a:t>
+            </a:r>
+          </a:p>
+          <a:p>
+            <a:r>
+              <a:rPr lang="en-US" dirty="0"/>
+              <a:t>We need to do the “fix problems” part to make things work properly. </a:t>
+            </a:r>
+          </a:p>
+          <a:p>
+            <a:pPr lvl="1"/>
+            <a:r>
+              <a:rPr lang="en-US" dirty="0"/>
+              <a:t>Having data that is ‘clean’ (consistent data, correct types, no blanks/errors) is required. </a:t>
+            </a:r>
+          </a:p>
+          <a:p>
+            <a:r>
+              <a:rPr lang="en-US" dirty="0"/>
+              <a:t>We want to do the “understand the data” part to be more effective and efficient. </a:t>
+            </a:r>
+          </a:p>
+          <a:p>
+            <a:pPr lvl="1"/>
+            <a:r>
+              <a:rPr lang="en-US" dirty="0"/>
+              <a:t>This isn’t needed, but it does help, and that will grow as you become more comfortable. </a:t>
+            </a:r>
+          </a:p>
+          <a:p>
+            <a:pPr lvl="1"/>
+            <a:r>
+              <a:rPr lang="en-US" dirty="0"/>
+              <a:t>Understanding the data can help guide our decisions (vague, I know). </a:t>
+            </a:r>
+          </a:p>
+        </p:txBody>
+      </p:sp>
+    </p:spTree>
+    <p:extLst>
+      <p:ext uri="{BB962C8B-B14F-4D97-AF65-F5344CB8AC3E}">
+        <p14:creationId xmlns:p14="http://schemas.microsoft.com/office/powerpoint/2010/main" val="2888578941"/>
+      </p:ext>
+    </p:extLst>
+  </p:cSld>
+  <p:clrMapOvr>
+    <a:masterClrMapping/>
+  </p:clrMapOvr>
+</p:sld>
+</file>
+
+<file path=ppt/slides/slide4.xml><?xml version="1.0" encoding="utf-8"?>
+<p:sld xmlns:a="http://schemas.openxmlformats.org/drawingml/2006/main" xmlns:r="http://schemas.openxmlformats.org/officeDocument/2006/relationships" xmlns:p="http://schemas.openxmlformats.org/presentationml/2006/main">
+  <p:cSld>
+    <p:spTree>
+      <p:nvGrpSpPr>
+        <p:cNvPr id="1" name=""/>
+        <p:cNvGrpSpPr/>
+        <p:nvPr/>
+      </p:nvGrpSpPr>
+      <p:grpSpPr>
+        <a:xfrm>
+          <a:off x="0" y="0"/>
+          <a:ext cx="0" cy="0"/>
+          <a:chOff x="0" y="0"/>
+          <a:chExt cx="0" cy="0"/>
+        </a:xfrm>
+      </p:grpSpPr>
+      <p:sp>
+        <p:nvSpPr>
+          <p:cNvPr id="2" name="Title 1">
+            <a:extLst>
+              <a:ext uri="{FF2B5EF4-FFF2-40B4-BE49-F238E27FC236}">
+                <a16:creationId xmlns:a16="http://schemas.microsoft.com/office/drawing/2014/main" id="{81E04333-B608-6585-D077-B4069930C5CF}"/>
+              </a:ext>
+            </a:extLst>
+          </p:cNvPr>
+          <p:cNvSpPr>
+            <a:spLocks noGrp="1"/>
+          </p:cNvSpPr>
+          <p:nvPr>
+            <p:ph type="title"/>
+          </p:nvPr>
+        </p:nvSpPr>
+        <p:spPr/>
+        <p:txBody>
+          <a:bodyPr/>
+          <a:lstStyle/>
+          <a:p>
+            <a:r>
+              <a:rPr lang="en-US" dirty="0"/>
+              <a:t>Exploration Helps Us</a:t>
+            </a:r>
+          </a:p>
+        </p:txBody>
+      </p:sp>
+      <p:sp>
+        <p:nvSpPr>
+          <p:cNvPr id="3" name="Content Placeholder 2">
+            <a:extLst>
+              <a:ext uri="{FF2B5EF4-FFF2-40B4-BE49-F238E27FC236}">
+                <a16:creationId xmlns:a16="http://schemas.microsoft.com/office/drawing/2014/main" id="{B2716732-FE2F-7B0D-4DD0-1E957092962F}"/>
+              </a:ext>
+            </a:extLst>
+          </p:cNvPr>
+          <p:cNvSpPr>
+            <a:spLocks noGrp="1"/>
+          </p:cNvSpPr>
+          <p:nvPr>
+            <p:ph idx="1"/>
+          </p:nvPr>
+        </p:nvSpPr>
+        <p:spPr>
+          <a:xfrm>
+            <a:off x="1451579" y="1853754"/>
+            <a:ext cx="9603275" cy="4199727"/>
+          </a:xfrm>
+        </p:spPr>
+        <p:txBody>
+          <a:bodyPr/>
+          <a:lstStyle/>
+          <a:p>
+            <a:r>
+              <a:rPr lang="en-US" dirty="0"/>
+              <a:t>Even though we aren’t experts yet, we can see a few uses for our understanding. </a:t>
+            </a:r>
+          </a:p>
+          <a:p>
+            <a:pPr lvl="1"/>
+            <a:r>
+              <a:rPr lang="en-US" dirty="0"/>
+              <a:t>Dispersion – if we have a feature that is always the same (or close), that’s likely not useful. </a:t>
+            </a:r>
+          </a:p>
+          <a:p>
+            <a:pPr lvl="1"/>
+            <a:r>
+              <a:rPr lang="en-US" dirty="0"/>
+              <a:t>Dispersion #2 – if we have natural “clumps” in the data, maybe those should be groups? </a:t>
+            </a:r>
+          </a:p>
+          <a:p>
+            <a:pPr lvl="1"/>
+            <a:r>
+              <a:rPr lang="en-US" dirty="0"/>
+              <a:t>Outliers – do the extreme values make sense or not, and should we keep them? </a:t>
+            </a:r>
+          </a:p>
+          <a:p>
+            <a:pPr lvl="1"/>
+            <a:r>
+              <a:rPr lang="en-US" dirty="0"/>
+              <a:t>Correlation – if things are highly correlated with the target, they are likely useful. </a:t>
+            </a:r>
+          </a:p>
+          <a:p>
+            <a:r>
+              <a:rPr lang="en-US" dirty="0"/>
+              <a:t>Knowing these things can help us, but we don’t </a:t>
+            </a:r>
+            <a:r>
+              <a:rPr lang="en-US" i="1" dirty="0"/>
+              <a:t>need</a:t>
+            </a:r>
+            <a:r>
+              <a:rPr lang="en-US" dirty="0"/>
+              <a:t> them to proceed. </a:t>
+            </a:r>
+          </a:p>
+          <a:p>
+            <a:r>
+              <a:rPr lang="en-US" dirty="0"/>
+              <a:t>Our understanding can also lead to some more dramatic steps…</a:t>
+            </a:r>
+          </a:p>
+        </p:txBody>
+      </p:sp>
+    </p:spTree>
+    <p:extLst>
+      <p:ext uri="{BB962C8B-B14F-4D97-AF65-F5344CB8AC3E}">
+        <p14:creationId xmlns:p14="http://schemas.microsoft.com/office/powerpoint/2010/main" val="1931552557"/>
+      </p:ext>
+    </p:extLst>
+  </p:cSld>
+  <p:clrMapOvr>
+    <a:masterClrMapping/>
+  </p:clrMapOvr>
+</p:sld>
+</file>
+
+<file path=ppt/slides/slide5.xml><?xml version="1.0" encoding="utf-8"?>
+<p:sld xmlns:a="http://schemas.openxmlformats.org/drawingml/2006/main" xmlns:r="http://schemas.openxmlformats.org/officeDocument/2006/relationships" xmlns:p="http://schemas.openxmlformats.org/presentationml/2006/main">
+  <p:cSld>
+    <p:spTree>
+      <p:nvGrpSpPr>
+        <p:cNvPr id="1" name=""/>
+        <p:cNvGrpSpPr/>
+        <p:nvPr/>
+      </p:nvGrpSpPr>
+      <p:grpSpPr>
+        <a:xfrm>
+          <a:off x="0" y="0"/>
+          <a:ext cx="0" cy="0"/>
+          <a:chOff x="0" y="0"/>
+          <a:chExt cx="0" cy="0"/>
+        </a:xfrm>
+      </p:grpSpPr>
+      <p:sp>
+        <p:nvSpPr>
+          <p:cNvPr id="2" name="Title 1">
+            <a:extLst>
+              <a:ext uri="{FF2B5EF4-FFF2-40B4-BE49-F238E27FC236}">
+                <a16:creationId xmlns:a16="http://schemas.microsoft.com/office/drawing/2014/main" id="{D3E1D86E-B924-62FC-C8B8-3A4EC212AE6B}"/>
+              </a:ext>
+            </a:extLst>
+          </p:cNvPr>
+          <p:cNvSpPr>
+            <a:spLocks noGrp="1"/>
+          </p:cNvSpPr>
+          <p:nvPr>
+            <p:ph type="title"/>
+          </p:nvPr>
+        </p:nvSpPr>
+        <p:spPr/>
+        <p:txBody>
+          <a:bodyPr/>
+          <a:lstStyle/>
+          <a:p>
+            <a:r>
+              <a:rPr lang="en-US" dirty="0"/>
+              <a:t>Using Median-</a:t>
+            </a:r>
+            <a:r>
+              <a:rPr lang="en-US" dirty="0" err="1"/>
+              <a:t>bAsed</a:t>
+            </a:r>
+            <a:r>
+              <a:rPr lang="en-US" dirty="0"/>
+              <a:t> Logic</a:t>
+            </a:r>
+          </a:p>
+        </p:txBody>
+      </p:sp>
+      <p:sp>
+        <p:nvSpPr>
+          <p:cNvPr id="3" name="Content Placeholder 2">
+            <a:extLst>
+              <a:ext uri="{FF2B5EF4-FFF2-40B4-BE49-F238E27FC236}">
+                <a16:creationId xmlns:a16="http://schemas.microsoft.com/office/drawing/2014/main" id="{0C035FB8-A815-2B29-4A2E-5EBF58254FDF}"/>
+              </a:ext>
+            </a:extLst>
+          </p:cNvPr>
+          <p:cNvSpPr>
+            <a:spLocks noGrp="1"/>
+          </p:cNvSpPr>
+          <p:nvPr>
+            <p:ph idx="1"/>
+          </p:nvPr>
+        </p:nvSpPr>
+        <p:spPr>
+          <a:xfrm>
+            <a:off x="1451579" y="2015732"/>
+            <a:ext cx="9603275" cy="4037749"/>
+          </a:xfrm>
+        </p:spPr>
+        <p:txBody>
+          <a:bodyPr/>
+          <a:lstStyle/>
+          <a:p>
+            <a:r>
+              <a:rPr lang="en-US" dirty="0"/>
+              <a:t>We generally look at the mean when looking at the average of data. </a:t>
+            </a:r>
+          </a:p>
+          <a:p>
+            <a:r>
+              <a:rPr lang="en-US" dirty="0"/>
+              <a:t>The median is another option, which is more outlier resistant. </a:t>
+            </a:r>
+          </a:p>
+          <a:p>
+            <a:pPr lvl="1"/>
+            <a:r>
+              <a:rPr lang="en-US" dirty="0"/>
+              <a:t>50% of the values are above the median, 50% below. It does not matter how much higher or lower though. </a:t>
+            </a:r>
+          </a:p>
+          <a:p>
+            <a:r>
+              <a:rPr lang="en-US" dirty="0"/>
+              <a:t>In many cases, particularly with real-world data, the median may be more useful. </a:t>
+            </a:r>
+          </a:p>
+          <a:p>
+            <a:pPr lvl="1"/>
+            <a:r>
+              <a:rPr lang="en-US" dirty="0"/>
+              <a:t>Financial data across a population often is better served by the median. </a:t>
+            </a:r>
+          </a:p>
+          <a:p>
+            <a:r>
+              <a:rPr lang="en-US" dirty="0"/>
+              <a:t>We can use this idea in our exploration and data preparation. </a:t>
+            </a:r>
+          </a:p>
+        </p:txBody>
+      </p:sp>
+    </p:spTree>
+    <p:extLst>
+      <p:ext uri="{BB962C8B-B14F-4D97-AF65-F5344CB8AC3E}">
+        <p14:creationId xmlns:p14="http://schemas.microsoft.com/office/powerpoint/2010/main" val="4196321873"/>
       </p:ext>
     </p:extLst>
   </p:cSld>
@@ -6057,7 +6178,7 @@
           <p:cNvPr id="2" name="Title 1">
             <a:extLst>
               <a:ext uri="{FF2B5EF4-FFF2-40B4-BE49-F238E27FC236}">
-                <a16:creationId xmlns:a16="http://schemas.microsoft.com/office/drawing/2014/main" id="{80D2A58B-F3C0-03E2-DEA7-F707D4A8988B}"/>
+                <a16:creationId xmlns:a16="http://schemas.microsoft.com/office/drawing/2014/main" id="{BB9A6F2B-5EAB-02D2-C787-905A067CA55B}"/>
               </a:ext>
             </a:extLst>
           </p:cNvPr>
@@ -6082,72 +6203,17 @@
           <a:p>
             <a:r>
               <a:rPr lang="en-US" dirty="0"/>
-              <a:t>Boxplots</a:t>
-            </a:r>
-          </a:p>
-        </p:txBody>
-      </p:sp>
-      <p:sp>
-        <p:nvSpPr>
-          <p:cNvPr id="3" name="Content Placeholder 2">
+              <a:t>Skew</a:t>
+            </a:r>
+          </a:p>
+        </p:txBody>
+      </p:sp>
+      <p:pic>
+        <p:nvPicPr>
+          <p:cNvPr id="1028" name="Picture 4" descr="Statistical Income Distributions for Household Income Distribution of... |  Download Scientific Diagram">
             <a:extLst>
               <a:ext uri="{FF2B5EF4-FFF2-40B4-BE49-F238E27FC236}">
-                <a16:creationId xmlns:a16="http://schemas.microsoft.com/office/drawing/2014/main" id="{6496C9E5-2051-896C-E9FE-F118B317AF88}"/>
-              </a:ext>
-            </a:extLst>
-          </p:cNvPr>
-          <p:cNvSpPr>
-            <a:spLocks noGrp="1"/>
-          </p:cNvSpPr>
-          <p:nvPr>
-            <p:ph idx="1"/>
-          </p:nvPr>
-        </p:nvSpPr>
-        <p:spPr>
-          <a:xfrm>
-            <a:off x="12083" y="1853754"/>
-            <a:ext cx="5791476" cy="4199727"/>
-          </a:xfrm>
-        </p:spPr>
-        <p:txBody>
-          <a:bodyPr>
-            <a:normAutofit/>
-          </a:bodyPr>
-          <a:lstStyle/>
-          <a:p>
-            <a:r>
-              <a:rPr lang="en-US" sz="2400" dirty="0"/>
-              <a:t>Boxplots are another visualization that can help us explore the data. </a:t>
-            </a:r>
-          </a:p>
-          <a:p>
-            <a:pPr lvl="1"/>
-            <a:r>
-              <a:rPr lang="en-US" sz="2000" dirty="0"/>
-              <a:t>An alternate look at the data this is in a histogram. </a:t>
-            </a:r>
-          </a:p>
-          <a:p>
-            <a:r>
-              <a:rPr lang="en-US" sz="2400" dirty="0"/>
-              <a:t>The IQR interquartile range is a common value that shows us where the middle 50% of data lies. </a:t>
-            </a:r>
-          </a:p>
-          <a:p>
-            <a:pPr lvl="1"/>
-            <a:r>
-              <a:rPr lang="en-US" sz="2200" dirty="0"/>
-              <a:t>Is it clustered or widely dispersed?</a:t>
-            </a:r>
-          </a:p>
-        </p:txBody>
-      </p:sp>
-      <p:pic>
-        <p:nvPicPr>
-          <p:cNvPr id="2050" name="Picture 2" descr="Box Plot Explained: Interpretation, Examples, &amp; Comparison">
-            <a:extLst>
-              <a:ext uri="{FF2B5EF4-FFF2-40B4-BE49-F238E27FC236}">
-                <a16:creationId xmlns:a16="http://schemas.microsoft.com/office/drawing/2014/main" id="{7EB980BC-C31E-9BB4-5100-1AA70B611F3E}"/>
+                <a16:creationId xmlns:a16="http://schemas.microsoft.com/office/drawing/2014/main" id="{45AC396E-32A5-1BF1-65E2-7854D64849EF}"/>
               </a:ext>
             </a:extLst>
           </p:cNvPr>
@@ -6156,7 +6222,7 @@
           </p:cNvPicPr>
           <p:nvPr/>
         </p:nvPicPr>
-        <p:blipFill rotWithShape="1">
+        <p:blipFill>
           <a:blip r:embed="rId2">
             <a:extLst>
               <a:ext uri="{28A0092B-C50C-407E-A947-70E740481C1C}">
@@ -6164,13 +6230,14 @@
               </a:ext>
             </a:extLst>
           </a:blip>
-          <a:srcRect t="14785"/>
-          <a:stretch/>
+          <a:stretch>
+            <a:fillRect/>
+          </a:stretch>
         </p:blipFill>
         <p:spPr bwMode="auto">
           <a:xfrm>
-            <a:off x="5803558" y="2225798"/>
-            <a:ext cx="6376360" cy="2988513"/>
+            <a:off x="0" y="1853754"/>
+            <a:ext cx="6065752" cy="5004246"/>
           </a:xfrm>
           <a:prstGeom prst="rect">
             <a:avLst/>
@@ -6187,10 +6254,71 @@
           </a:extLst>
         </p:spPr>
       </p:pic>
+      <p:sp>
+        <p:nvSpPr>
+          <p:cNvPr id="3" name="Content Placeholder 2">
+            <a:extLst>
+              <a:ext uri="{FF2B5EF4-FFF2-40B4-BE49-F238E27FC236}">
+                <a16:creationId xmlns:a16="http://schemas.microsoft.com/office/drawing/2014/main" id="{0DF9397C-16D4-A866-450F-EF0346FDA778}"/>
+              </a:ext>
+            </a:extLst>
+          </p:cNvPr>
+          <p:cNvSpPr>
+            <a:spLocks noGrp="1"/>
+          </p:cNvSpPr>
+          <p:nvPr>
+            <p:ph idx="1"/>
+          </p:nvPr>
+        </p:nvSpPr>
+        <p:spPr>
+          <a:xfrm>
+            <a:off x="6126250" y="2015734"/>
+            <a:ext cx="6065749" cy="4037747"/>
+          </a:xfrm>
+        </p:spPr>
+        <p:txBody>
+          <a:bodyPr>
+            <a:normAutofit/>
+          </a:bodyPr>
+          <a:lstStyle/>
+          <a:p>
+            <a:r>
+              <a:rPr lang="en-US" dirty="0"/>
+              <a:t>Things like income often follow a pattern like this – they are ‘skewed’. </a:t>
+            </a:r>
+          </a:p>
+          <a:p>
+            <a:pPr lvl="1"/>
+            <a:r>
+              <a:rPr lang="en-US" dirty="0"/>
+              <a:t>The distribution pattern is often log-normal. </a:t>
+            </a:r>
+          </a:p>
+          <a:p>
+            <a:r>
+              <a:rPr lang="en-US" dirty="0"/>
+              <a:t>In these cases the mean is greater than the median. </a:t>
+            </a:r>
+          </a:p>
+          <a:p>
+            <a:pPr lvl="1"/>
+            <a:r>
+              <a:rPr lang="en-US" dirty="0"/>
+              <a:t>It is ‘pulled’ by the higher values. </a:t>
+            </a:r>
+          </a:p>
+          <a:p>
+            <a:r>
+              <a:rPr lang="en-US" dirty="0"/>
+              <a:t>The ‘clump’ of most records ends up grouped fairly tightly, compared to a bell curve. </a:t>
+            </a:r>
+          </a:p>
+        </p:txBody>
+      </p:sp>
     </p:spTree>
     <p:extLst>
       <p:ext uri="{BB962C8B-B14F-4D97-AF65-F5344CB8AC3E}">
-        <p14:creationId xmlns:p14="http://schemas.microsoft.com/office/powerpoint/2010/main" val="4033257494"/>
+        <p14:creationId xmlns:p14="http://schemas.microsoft.com/office/powerpoint/2010/main" val="896721716"/>
       </p:ext>
     </p:extLst>
   </p:cSld>
@@ -6246,7 +6374,7 @@
           <p:cNvPr id="2" name="Title 1">
             <a:extLst>
               <a:ext uri="{FF2B5EF4-FFF2-40B4-BE49-F238E27FC236}">
-                <a16:creationId xmlns:a16="http://schemas.microsoft.com/office/drawing/2014/main" id="{C8D39F5A-E9D4-7DEF-AFDF-01C69C6735B3}"/>
+                <a16:creationId xmlns:a16="http://schemas.microsoft.com/office/drawing/2014/main" id="{80D2A58B-F3C0-03E2-DEA7-F707D4A8988B}"/>
               </a:ext>
             </a:extLst>
           </p:cNvPr>
@@ -6271,17 +6399,72 @@
           <a:p>
             <a:r>
               <a:rPr lang="en-US" dirty="0"/>
-              <a:t>Ok, but Why? </a:t>
+              <a:t>Boxplots</a:t>
+            </a:r>
+          </a:p>
+        </p:txBody>
+      </p:sp>
+      <p:sp>
+        <p:nvSpPr>
+          <p:cNvPr id="3" name="Content Placeholder 2">
+            <a:extLst>
+              <a:ext uri="{FF2B5EF4-FFF2-40B4-BE49-F238E27FC236}">
+                <a16:creationId xmlns:a16="http://schemas.microsoft.com/office/drawing/2014/main" id="{6496C9E5-2051-896C-E9FE-F118B317AF88}"/>
+              </a:ext>
+            </a:extLst>
+          </p:cNvPr>
+          <p:cNvSpPr>
+            <a:spLocks noGrp="1"/>
+          </p:cNvSpPr>
+          <p:nvPr>
+            <p:ph idx="1"/>
+          </p:nvPr>
+        </p:nvSpPr>
+        <p:spPr>
+          <a:xfrm>
+            <a:off x="12083" y="1853754"/>
+            <a:ext cx="5791476" cy="4199727"/>
+          </a:xfrm>
+        </p:spPr>
+        <p:txBody>
+          <a:bodyPr>
+            <a:normAutofit/>
+          </a:bodyPr>
+          <a:lstStyle/>
+          <a:p>
+            <a:r>
+              <a:rPr lang="en-US" sz="2400" dirty="0"/>
+              <a:t>Boxplots are another visualization that can help us explore the data. </a:t>
+            </a:r>
+          </a:p>
+          <a:p>
+            <a:pPr lvl="1"/>
+            <a:r>
+              <a:rPr lang="en-US" sz="2000" dirty="0"/>
+              <a:t>An alternate look at the data this is in a histogram. </a:t>
+            </a:r>
+          </a:p>
+          <a:p>
+            <a:r>
+              <a:rPr lang="en-US" sz="2400" dirty="0"/>
+              <a:t>The IQR interquartile range is a common value that shows us where the middle 50% of data lies. </a:t>
+            </a:r>
+          </a:p>
+          <a:p>
+            <a:pPr lvl="1"/>
+            <a:r>
+              <a:rPr lang="en-US" sz="2200" dirty="0"/>
+              <a:t>Is it clustered or widely dispersed?</a:t>
             </a:r>
           </a:p>
         </p:txBody>
       </p:sp>
       <p:pic>
         <p:nvPicPr>
-          <p:cNvPr id="3074" name="Picture 2" descr="why would you do that - Jackie Chan Why? Meme Generator">
+          <p:cNvPr id="2050" name="Picture 2" descr="Box Plot Explained: Interpretation, Examples, &amp; Comparison">
             <a:extLst>
               <a:ext uri="{FF2B5EF4-FFF2-40B4-BE49-F238E27FC236}">
-                <a16:creationId xmlns:a16="http://schemas.microsoft.com/office/drawing/2014/main" id="{E01E016C-B2BF-D4B3-374B-02197AF81495}"/>
+                <a16:creationId xmlns:a16="http://schemas.microsoft.com/office/drawing/2014/main" id="{7EB980BC-C31E-9BB4-5100-1AA70B611F3E}"/>
               </a:ext>
             </a:extLst>
           </p:cNvPr>
@@ -6290,7 +6473,7 @@
           </p:cNvPicPr>
           <p:nvPr/>
         </p:nvPicPr>
-        <p:blipFill>
+        <p:blipFill rotWithShape="1">
           <a:blip r:embed="rId2">
             <a:extLst>
               <a:ext uri="{28A0092B-C50C-407E-A947-70E740481C1C}">
@@ -6298,14 +6481,13 @@
               </a:ext>
             </a:extLst>
           </a:blip>
-          <a:stretch>
-            <a:fillRect/>
-          </a:stretch>
+          <a:srcRect t="14785"/>
+          <a:stretch/>
         </p:blipFill>
         <p:spPr bwMode="auto">
           <a:xfrm>
-            <a:off x="92336" y="2015733"/>
-            <a:ext cx="6235904" cy="4037747"/>
+            <a:off x="5803558" y="2225798"/>
+            <a:ext cx="6376360" cy="2988513"/>
           </a:xfrm>
           <a:prstGeom prst="rect">
             <a:avLst/>
@@ -6322,62 +6504,10 @@
           </a:extLst>
         </p:spPr>
       </p:pic>
-      <p:sp>
-        <p:nvSpPr>
-          <p:cNvPr id="3" name="Content Placeholder 2">
-            <a:extLst>
-              <a:ext uri="{FF2B5EF4-FFF2-40B4-BE49-F238E27FC236}">
-                <a16:creationId xmlns:a16="http://schemas.microsoft.com/office/drawing/2014/main" id="{EDE93C1E-9D9F-7136-7298-1F06B08CB2FA}"/>
-              </a:ext>
-            </a:extLst>
-          </p:cNvPr>
-          <p:cNvSpPr>
-            <a:spLocks noGrp="1"/>
-          </p:cNvSpPr>
-          <p:nvPr>
-            <p:ph idx="1"/>
-          </p:nvPr>
-        </p:nvSpPr>
-        <p:spPr>
-          <a:xfrm>
-            <a:off x="6328241" y="2015734"/>
-            <a:ext cx="5771424" cy="4037746"/>
-          </a:xfrm>
-        </p:spPr>
-        <p:txBody>
-          <a:bodyPr>
-            <a:normAutofit/>
-          </a:bodyPr>
-          <a:lstStyle/>
-          <a:p>
-            <a:r>
-              <a:rPr lang="en-US" sz="2400" dirty="0"/>
-              <a:t>What’s the point of all of this?</a:t>
-            </a:r>
-          </a:p>
-          <a:p>
-            <a:r>
-              <a:rPr lang="en-US" sz="2400" dirty="0"/>
-              <a:t>We can use what we see here to help make some changes to the data, or transformations. </a:t>
-            </a:r>
-          </a:p>
-          <a:p>
-            <a:pPr lvl="1"/>
-            <a:r>
-              <a:rPr lang="en-US" sz="2200" dirty="0"/>
-              <a:t>As with other things, we may notice this in our exploration and apply some changes. </a:t>
-            </a:r>
-          </a:p>
-          <a:p>
-            <a:pPr lvl="1"/>
-            <a:endParaRPr lang="en-US" sz="2200" dirty="0"/>
-          </a:p>
-        </p:txBody>
-      </p:sp>
     </p:spTree>
     <p:extLst>
       <p:ext uri="{BB962C8B-B14F-4D97-AF65-F5344CB8AC3E}">
-        <p14:creationId xmlns:p14="http://schemas.microsoft.com/office/powerpoint/2010/main" val="2491772979"/>
+        <p14:creationId xmlns:p14="http://schemas.microsoft.com/office/powerpoint/2010/main" val="4033257494"/>
       </p:ext>
     </p:extLst>
   </p:cSld>
@@ -6388,128 +6518,6 @@
 </file>
 
 <file path=ppt/slides/slide8.xml><?xml version="1.0" encoding="utf-8"?>
-<p:sld xmlns:a="http://schemas.openxmlformats.org/drawingml/2006/main" xmlns:r="http://schemas.openxmlformats.org/officeDocument/2006/relationships" xmlns:p="http://schemas.openxmlformats.org/presentationml/2006/main">
-  <p:cSld>
-    <p:spTree>
-      <p:nvGrpSpPr>
-        <p:cNvPr id="1" name=""/>
-        <p:cNvGrpSpPr/>
-        <p:nvPr/>
-      </p:nvGrpSpPr>
-      <p:grpSpPr>
-        <a:xfrm>
-          <a:off x="0" y="0"/>
-          <a:ext cx="0" cy="0"/>
-          <a:chOff x="0" y="0"/>
-          <a:chExt cx="0" cy="0"/>
-        </a:xfrm>
-      </p:grpSpPr>
-      <p:sp>
-        <p:nvSpPr>
-          <p:cNvPr id="2" name="Title 1">
-            <a:extLst>
-              <a:ext uri="{FF2B5EF4-FFF2-40B4-BE49-F238E27FC236}">
-                <a16:creationId xmlns:a16="http://schemas.microsoft.com/office/drawing/2014/main" id="{23142F92-70D1-E86D-03B1-633BD8677544}"/>
-              </a:ext>
-            </a:extLst>
-          </p:cNvPr>
-          <p:cNvSpPr>
-            <a:spLocks noGrp="1"/>
-          </p:cNvSpPr>
-          <p:nvPr>
-            <p:ph type="title"/>
-          </p:nvPr>
-        </p:nvSpPr>
-        <p:spPr/>
-        <p:txBody>
-          <a:bodyPr/>
-          <a:lstStyle/>
-          <a:p>
-            <a:r>
-              <a:rPr lang="en-US" dirty="0"/>
-              <a:t>Transformations</a:t>
-            </a:r>
-          </a:p>
-        </p:txBody>
-      </p:sp>
-      <p:sp>
-        <p:nvSpPr>
-          <p:cNvPr id="3" name="Content Placeholder 2">
-            <a:extLst>
-              <a:ext uri="{FF2B5EF4-FFF2-40B4-BE49-F238E27FC236}">
-                <a16:creationId xmlns:a16="http://schemas.microsoft.com/office/drawing/2014/main" id="{B73EE00F-4B26-6C07-EB10-2B6B4CFF810E}"/>
-              </a:ext>
-            </a:extLst>
-          </p:cNvPr>
-          <p:cNvSpPr>
-            <a:spLocks noGrp="1"/>
-          </p:cNvSpPr>
-          <p:nvPr>
-            <p:ph idx="1"/>
-          </p:nvPr>
-        </p:nvSpPr>
-        <p:spPr>
-          <a:xfrm>
-            <a:off x="1451579" y="1853754"/>
-            <a:ext cx="9603275" cy="4199727"/>
-          </a:xfrm>
-        </p:spPr>
-        <p:txBody>
-          <a:bodyPr/>
-          <a:lstStyle/>
-          <a:p>
-            <a:r>
-              <a:rPr lang="en-US" dirty="0"/>
-              <a:t>Transformations on data are just operations that we do to our data before using it. </a:t>
-            </a:r>
-          </a:p>
-          <a:p>
-            <a:pPr lvl="1"/>
-            <a:r>
-              <a:rPr lang="en-US" dirty="0"/>
-              <a:t>I.e. each feature has some values, we might run them through a function to get the data we use to make predictions. </a:t>
-            </a:r>
-          </a:p>
-          <a:p>
-            <a:r>
-              <a:rPr lang="en-US" dirty="0"/>
-              <a:t>This seems weird, as we are changing the data, which often feels wrong. </a:t>
-            </a:r>
-          </a:p>
-          <a:p>
-            <a:r>
-              <a:rPr lang="en-US" dirty="0"/>
-              <a:t>We don’t really care at all about the data itself that we’re using to predict, all we care about are the results of the predictions. </a:t>
-            </a:r>
-          </a:p>
-          <a:p>
-            <a:r>
-              <a:rPr lang="en-US" dirty="0"/>
-              <a:t>So, transformations modify the data we’re using to make it better for our predictions, even if the changes make the data less “correct” with respect to the original values. </a:t>
-            </a:r>
-          </a:p>
-          <a:p>
-            <a:r>
-              <a:rPr lang="en-US" dirty="0"/>
-              <a:t>There is not a set of “do this”* transformations, it is situation dependent. </a:t>
-            </a:r>
-          </a:p>
-        </p:txBody>
-      </p:sp>
-    </p:spTree>
-    <p:extLst>
-      <p:ext uri="{BB962C8B-B14F-4D97-AF65-F5344CB8AC3E}">
-        <p14:creationId xmlns:p14="http://schemas.microsoft.com/office/powerpoint/2010/main" val="901667575"/>
-      </p:ext>
-    </p:extLst>
-  </p:cSld>
-  <p:clrMapOvr>
-    <a:masterClrMapping/>
-  </p:clrMapOvr>
-</p:sld>
-</file>
-
-<file path=ppt/slides/slide9.xml><?xml version="1.0" encoding="utf-8"?>
 <p:sld xmlns:a="http://schemas.openxmlformats.org/drawingml/2006/main" xmlns:r="http://schemas.openxmlformats.org/officeDocument/2006/relationships" xmlns:p="http://schemas.openxmlformats.org/presentationml/2006/main">
   <p:cSld>
     <p:bg>
@@ -6555,7 +6563,7 @@
           <p:cNvPr id="2" name="Title 1">
             <a:extLst>
               <a:ext uri="{FF2B5EF4-FFF2-40B4-BE49-F238E27FC236}">
-                <a16:creationId xmlns:a16="http://schemas.microsoft.com/office/drawing/2014/main" id="{FB2FD20C-6318-2581-4E3E-8CC3E5EDC52A}"/>
+                <a16:creationId xmlns:a16="http://schemas.microsoft.com/office/drawing/2014/main" id="{C8D39F5A-E9D4-7DEF-AFDF-01C69C6735B3}"/>
               </a:ext>
             </a:extLst>
           </p:cNvPr>
@@ -6580,72 +6588,17 @@
           <a:p>
             <a:r>
               <a:rPr lang="en-US" dirty="0"/>
-              <a:t>Example – Skew With Log Transformations</a:t>
-            </a:r>
-          </a:p>
-        </p:txBody>
-      </p:sp>
-      <p:sp>
-        <p:nvSpPr>
-          <p:cNvPr id="3" name="Content Placeholder 2">
+              <a:t>Ok, but Why? </a:t>
+            </a:r>
+          </a:p>
+        </p:txBody>
+      </p:sp>
+      <p:pic>
+        <p:nvPicPr>
+          <p:cNvPr id="3074" name="Picture 2" descr="why would you do that - Jackie Chan Why? Meme Generator">
             <a:extLst>
               <a:ext uri="{FF2B5EF4-FFF2-40B4-BE49-F238E27FC236}">
-                <a16:creationId xmlns:a16="http://schemas.microsoft.com/office/drawing/2014/main" id="{E3BFE9CF-E80F-68A9-DE8B-0FFE83A3A37D}"/>
-              </a:ext>
-            </a:extLst>
-          </p:cNvPr>
-          <p:cNvSpPr>
-            <a:spLocks noGrp="1"/>
-          </p:cNvSpPr>
-          <p:nvPr>
-            <p:ph idx="1"/>
-          </p:nvPr>
-        </p:nvSpPr>
-        <p:spPr>
-          <a:xfrm>
-            <a:off x="1" y="2015734"/>
-            <a:ext cx="4750318" cy="4037747"/>
-          </a:xfrm>
-        </p:spPr>
-        <p:txBody>
-          <a:bodyPr>
-            <a:normAutofit/>
-          </a:bodyPr>
-          <a:lstStyle/>
-          <a:p>
-            <a:r>
-              <a:rPr lang="en-US" dirty="0"/>
-              <a:t>One common thing we can do is to remove skew in a value with a Log Transformation. </a:t>
-            </a:r>
-          </a:p>
-          <a:p>
-            <a:pPr lvl="1"/>
-            <a:r>
-              <a:rPr lang="en-US" dirty="0"/>
-              <a:t>We take skewed data and use the log of that data instead of the original. </a:t>
-            </a:r>
-          </a:p>
-          <a:p>
-            <a:r>
-              <a:rPr lang="en-US" dirty="0"/>
-              <a:t>The result is normally a more normally distributed feature. </a:t>
-            </a:r>
-          </a:p>
-          <a:p>
-            <a:pPr lvl="1"/>
-            <a:r>
-              <a:rPr lang="en-US" dirty="0"/>
-              <a:t>Ok, but still… why? </a:t>
-            </a:r>
-          </a:p>
-        </p:txBody>
-      </p:sp>
-      <p:pic>
-        <p:nvPicPr>
-          <p:cNvPr id="4098" name="Picture 2" descr="Log or not log (transform data) that's the question - PharmaLex">
-            <a:extLst>
-              <a:ext uri="{FF2B5EF4-FFF2-40B4-BE49-F238E27FC236}">
-                <a16:creationId xmlns:a16="http://schemas.microsoft.com/office/drawing/2014/main" id="{CBC76423-1854-9B58-1691-6DD2A7AA5359}"/>
+                <a16:creationId xmlns:a16="http://schemas.microsoft.com/office/drawing/2014/main" id="{E01E016C-B2BF-D4B3-374B-02197AF81495}"/>
               </a:ext>
             </a:extLst>
           </p:cNvPr>
@@ -6654,7 +6607,7 @@
           </p:cNvPicPr>
           <p:nvPr/>
         </p:nvPicPr>
-        <p:blipFill rotWithShape="1">
+        <p:blipFill>
           <a:blip r:embed="rId2">
             <a:extLst>
               <a:ext uri="{28A0092B-C50C-407E-A947-70E740481C1C}">
@@ -6662,13 +6615,14 @@
               </a:ext>
             </a:extLst>
           </a:blip>
-          <a:srcRect l="6675" t="12112" r="4146" b="10955"/>
-          <a:stretch/>
+          <a:stretch>
+            <a:fillRect/>
+          </a:stretch>
         </p:blipFill>
         <p:spPr bwMode="auto">
           <a:xfrm>
-            <a:off x="4750319" y="2177714"/>
-            <a:ext cx="7441681" cy="3450613"/>
+            <a:off x="92336" y="2015733"/>
+            <a:ext cx="6235904" cy="4037747"/>
           </a:xfrm>
           <a:prstGeom prst="rect">
             <a:avLst/>
@@ -6685,10 +6639,184 @@
           </a:extLst>
         </p:spPr>
       </p:pic>
+      <p:sp>
+        <p:nvSpPr>
+          <p:cNvPr id="3" name="Content Placeholder 2">
+            <a:extLst>
+              <a:ext uri="{FF2B5EF4-FFF2-40B4-BE49-F238E27FC236}">
+                <a16:creationId xmlns:a16="http://schemas.microsoft.com/office/drawing/2014/main" id="{EDE93C1E-9D9F-7136-7298-1F06B08CB2FA}"/>
+              </a:ext>
+            </a:extLst>
+          </p:cNvPr>
+          <p:cNvSpPr>
+            <a:spLocks noGrp="1"/>
+          </p:cNvSpPr>
+          <p:nvPr>
+            <p:ph idx="1"/>
+          </p:nvPr>
+        </p:nvSpPr>
+        <p:spPr>
+          <a:xfrm>
+            <a:off x="6328241" y="2015734"/>
+            <a:ext cx="5771424" cy="4037746"/>
+          </a:xfrm>
+        </p:spPr>
+        <p:txBody>
+          <a:bodyPr>
+            <a:normAutofit/>
+          </a:bodyPr>
+          <a:lstStyle/>
+          <a:p>
+            <a:r>
+              <a:rPr lang="en-US" sz="2400" dirty="0"/>
+              <a:t>What’s the point of all of this?</a:t>
+            </a:r>
+          </a:p>
+          <a:p>
+            <a:r>
+              <a:rPr lang="en-US" sz="2400" dirty="0"/>
+              <a:t>We can use what we see here to help make some changes to the data, or transformations. </a:t>
+            </a:r>
+          </a:p>
+          <a:p>
+            <a:pPr lvl="1"/>
+            <a:r>
+              <a:rPr lang="en-US" sz="2200" dirty="0"/>
+              <a:t>As with other things, we may notice this in our exploration and apply some changes. </a:t>
+            </a:r>
+          </a:p>
+          <a:p>
+            <a:pPr lvl="1"/>
+            <a:endParaRPr lang="en-US" sz="2200" dirty="0"/>
+          </a:p>
+        </p:txBody>
+      </p:sp>
     </p:spTree>
     <p:extLst>
       <p:ext uri="{BB962C8B-B14F-4D97-AF65-F5344CB8AC3E}">
-        <p14:creationId xmlns:p14="http://schemas.microsoft.com/office/powerpoint/2010/main" val="746294203"/>
+        <p14:creationId xmlns:p14="http://schemas.microsoft.com/office/powerpoint/2010/main" val="2491772979"/>
+      </p:ext>
+    </p:extLst>
+  </p:cSld>
+  <p:clrMapOvr>
+    <a:masterClrMapping/>
+  </p:clrMapOvr>
+</p:sld>
+</file>
+
+<file path=ppt/slides/slide9.xml><?xml version="1.0" encoding="utf-8"?>
+<p:sld xmlns:a="http://schemas.openxmlformats.org/drawingml/2006/main" xmlns:r="http://schemas.openxmlformats.org/officeDocument/2006/relationships" xmlns:p="http://schemas.openxmlformats.org/presentationml/2006/main">
+  <p:cSld>
+    <p:spTree>
+      <p:nvGrpSpPr>
+        <p:cNvPr id="1" name=""/>
+        <p:cNvGrpSpPr/>
+        <p:nvPr/>
+      </p:nvGrpSpPr>
+      <p:grpSpPr>
+        <a:xfrm>
+          <a:off x="0" y="0"/>
+          <a:ext cx="0" cy="0"/>
+          <a:chOff x="0" y="0"/>
+          <a:chExt cx="0" cy="0"/>
+        </a:xfrm>
+      </p:grpSpPr>
+      <p:sp>
+        <p:nvSpPr>
+          <p:cNvPr id="2" name="Title 1">
+            <a:extLst>
+              <a:ext uri="{FF2B5EF4-FFF2-40B4-BE49-F238E27FC236}">
+                <a16:creationId xmlns:a16="http://schemas.microsoft.com/office/drawing/2014/main" id="{23142F92-70D1-E86D-03B1-633BD8677544}"/>
+              </a:ext>
+            </a:extLst>
+          </p:cNvPr>
+          <p:cNvSpPr>
+            <a:spLocks noGrp="1"/>
+          </p:cNvSpPr>
+          <p:nvPr>
+            <p:ph type="title"/>
+          </p:nvPr>
+        </p:nvSpPr>
+        <p:spPr/>
+        <p:txBody>
+          <a:bodyPr/>
+          <a:lstStyle/>
+          <a:p>
+            <a:r>
+              <a:rPr lang="en-US" dirty="0"/>
+              <a:t>Transformations</a:t>
+            </a:r>
+          </a:p>
+        </p:txBody>
+      </p:sp>
+      <p:sp>
+        <p:nvSpPr>
+          <p:cNvPr id="3" name="Content Placeholder 2">
+            <a:extLst>
+              <a:ext uri="{FF2B5EF4-FFF2-40B4-BE49-F238E27FC236}">
+                <a16:creationId xmlns:a16="http://schemas.microsoft.com/office/drawing/2014/main" id="{B73EE00F-4B26-6C07-EB10-2B6B4CFF810E}"/>
+              </a:ext>
+            </a:extLst>
+          </p:cNvPr>
+          <p:cNvSpPr>
+            <a:spLocks noGrp="1"/>
+          </p:cNvSpPr>
+          <p:nvPr>
+            <p:ph idx="1"/>
+          </p:nvPr>
+        </p:nvSpPr>
+        <p:spPr>
+          <a:xfrm>
+            <a:off x="1451579" y="1853754"/>
+            <a:ext cx="9603275" cy="4199727"/>
+          </a:xfrm>
+        </p:spPr>
+        <p:txBody>
+          <a:bodyPr/>
+          <a:lstStyle/>
+          <a:p>
+            <a:r>
+              <a:rPr lang="en-US" dirty="0"/>
+              <a:t>Transformations on data are just operations that we do to our data before using it. </a:t>
+            </a:r>
+          </a:p>
+          <a:p>
+            <a:pPr lvl="1"/>
+            <a:r>
+              <a:rPr lang="en-US" dirty="0"/>
+              <a:t>I.e. each feature has some values, we might run them through a function to get the data we use to make predictions. </a:t>
+            </a:r>
+          </a:p>
+          <a:p>
+            <a:r>
+              <a:rPr lang="en-US" dirty="0"/>
+              <a:t>This seems weird, as we are changing the data, which often feels wrong. </a:t>
+            </a:r>
+          </a:p>
+          <a:p>
+            <a:r>
+              <a:rPr lang="en-US" dirty="0"/>
+              <a:t>We don’t really care at all about the data itself that we’re using to predict, all we care about are the results of the predictions. </a:t>
+            </a:r>
+          </a:p>
+          <a:p>
+            <a:r>
+              <a:rPr lang="en-US" dirty="0"/>
+              <a:t>So, transformations modify the data we’re using to make it better for our predictions, even if the changes make the data less “correct” with respect to the original values. </a:t>
+            </a:r>
+          </a:p>
+          <a:p>
+            <a:r>
+              <a:rPr lang="en-US" dirty="0"/>
+              <a:t>There is not a set of “do this”* transformations, it is situation dependent. </a:t>
+            </a:r>
+          </a:p>
+        </p:txBody>
+      </p:sp>
+    </p:spTree>
+    <p:extLst>
+      <p:ext uri="{BB962C8B-B14F-4D97-AF65-F5344CB8AC3E}">
+        <p14:creationId xmlns:p14="http://schemas.microsoft.com/office/powerpoint/2010/main" val="901667575"/>
       </p:ext>
     </p:extLst>
   </p:cSld>
